--- a/プロジェクト実験　ポスター発表/プロジェクト実験 ポスター.pptx
+++ b/プロジェクト実験　ポスター発表/プロジェクト実験 ポスター.pptx
@@ -4,8 +4,12 @@
   <p:sldMasterIdLst>
     <p:sldMasterId id="2147483660" r:id="rId1"/>
   </p:sldMasterIdLst>
+  <p:notesMasterIdLst>
+    <p:notesMasterId r:id="rId4"/>
+  </p:notesMasterIdLst>
   <p:sldIdLst>
     <p:sldId id="256" r:id="rId2"/>
+    <p:sldId id="257" r:id="rId3"/>
   </p:sldIdLst>
   <p:sldSz cx="9601200" cy="12801600" type="A3"/>
   <p:notesSz cx="6858000" cy="9144000"/>
@@ -104,7 +108,452 @@
       </a:defRPr>
     </a:lvl9pPr>
   </p:defaultTextStyle>
+  <p:extLst>
+    <p:ext uri="{EFAFB233-063F-42B5-8137-9DF3F51BA10A}">
+      <p15:sldGuideLst xmlns:p15="http://schemas.microsoft.com/office/powerpoint/2012/main"/>
+    </p:ext>
+  </p:extLst>
 </p:presentation>
+</file>
+
+<file path=ppt/notesMasters/notesMaster1.xml><?xml version="1.0" encoding="utf-8"?>
+<p:notesMaster xmlns:a="http://schemas.openxmlformats.org/drawingml/2006/main" xmlns:r="http://schemas.openxmlformats.org/officeDocument/2006/relationships" xmlns:p="http://schemas.openxmlformats.org/presentationml/2006/main">
+  <p:cSld>
+    <p:bg>
+      <p:bgRef idx="1001">
+        <a:schemeClr val="bg1"/>
+      </p:bgRef>
+    </p:bg>
+    <p:spTree>
+      <p:nvGrpSpPr>
+        <p:cNvPr id="1" name=""/>
+        <p:cNvGrpSpPr/>
+        <p:nvPr/>
+      </p:nvGrpSpPr>
+      <p:grpSpPr>
+        <a:xfrm>
+          <a:off x="0" y="0"/>
+          <a:ext cx="0" cy="0"/>
+          <a:chOff x="0" y="0"/>
+          <a:chExt cx="0" cy="0"/>
+        </a:xfrm>
+      </p:grpSpPr>
+      <p:sp>
+        <p:nvSpPr>
+          <p:cNvPr id="2" name="ヘッダー プレースホルダー 1"/>
+          <p:cNvSpPr>
+            <a:spLocks noGrp="1"/>
+          </p:cNvSpPr>
+          <p:nvPr>
+            <p:ph type="hdr" sz="quarter"/>
+          </p:nvPr>
+        </p:nvSpPr>
+        <p:spPr>
+          <a:xfrm>
+            <a:off x="0" y="0"/>
+            <a:ext cx="2971800" cy="458788"/>
+          </a:xfrm>
+          <a:prstGeom prst="rect">
+            <a:avLst/>
+          </a:prstGeom>
+        </p:spPr>
+        <p:txBody>
+          <a:bodyPr vert="horz" lIns="91440" tIns="45720" rIns="91440" bIns="45720" rtlCol="0"/>
+          <a:lstStyle>
+            <a:lvl1pPr algn="l">
+              <a:defRPr sz="1200"/>
+            </a:lvl1pPr>
+          </a:lstStyle>
+          <a:p>
+            <a:endParaRPr kumimoji="1" lang="ja-JP" altLang="en-US"/>
+          </a:p>
+        </p:txBody>
+      </p:sp>
+      <p:sp>
+        <p:nvSpPr>
+          <p:cNvPr id="3" name="日付プレースホルダー 2"/>
+          <p:cNvSpPr>
+            <a:spLocks noGrp="1"/>
+          </p:cNvSpPr>
+          <p:nvPr>
+            <p:ph type="dt" idx="1"/>
+          </p:nvPr>
+        </p:nvSpPr>
+        <p:spPr>
+          <a:xfrm>
+            <a:off x="3884613" y="0"/>
+            <a:ext cx="2971800" cy="458788"/>
+          </a:xfrm>
+          <a:prstGeom prst="rect">
+            <a:avLst/>
+          </a:prstGeom>
+        </p:spPr>
+        <p:txBody>
+          <a:bodyPr vert="horz" lIns="91440" tIns="45720" rIns="91440" bIns="45720" rtlCol="0"/>
+          <a:lstStyle>
+            <a:lvl1pPr algn="r">
+              <a:defRPr sz="1200"/>
+            </a:lvl1pPr>
+          </a:lstStyle>
+          <a:p>
+            <a:fld id="{EFEFD45E-A60C-8A4E-865C-7686CB188C90}" type="datetimeFigureOut">
+              <a:rPr kumimoji="1" lang="ja-JP" altLang="en-US" smtClean="0"/>
+              <a:t>2019/1/10</a:t>
+            </a:fld>
+            <a:endParaRPr kumimoji="1" lang="ja-JP" altLang="en-US"/>
+          </a:p>
+        </p:txBody>
+      </p:sp>
+      <p:sp>
+        <p:nvSpPr>
+          <p:cNvPr id="4" name="スライド イメージ プレースホルダー 3"/>
+          <p:cNvSpPr>
+            <a:spLocks noGrp="1" noRot="1" noChangeAspect="1"/>
+          </p:cNvSpPr>
+          <p:nvPr>
+            <p:ph type="sldImg" idx="2"/>
+          </p:nvPr>
+        </p:nvSpPr>
+        <p:spPr>
+          <a:xfrm>
+            <a:off x="2271713" y="1143000"/>
+            <a:ext cx="2314575" cy="3086100"/>
+          </a:xfrm>
+          <a:prstGeom prst="rect">
+            <a:avLst/>
+          </a:prstGeom>
+          <a:noFill/>
+          <a:ln w="12700">
+            <a:solidFill>
+              <a:prstClr val="black"/>
+            </a:solidFill>
+          </a:ln>
+        </p:spPr>
+        <p:txBody>
+          <a:bodyPr vert="horz" lIns="91440" tIns="45720" rIns="91440" bIns="45720" rtlCol="0" anchor="ctr"/>
+          <a:lstStyle/>
+          <a:p>
+            <a:endParaRPr lang="ja-JP" altLang="en-US"/>
+          </a:p>
+        </p:txBody>
+      </p:sp>
+      <p:sp>
+        <p:nvSpPr>
+          <p:cNvPr id="5" name="ノート プレースホルダー 4"/>
+          <p:cNvSpPr>
+            <a:spLocks noGrp="1"/>
+          </p:cNvSpPr>
+          <p:nvPr>
+            <p:ph type="body" sz="quarter" idx="3"/>
+          </p:nvPr>
+        </p:nvSpPr>
+        <p:spPr>
+          <a:xfrm>
+            <a:off x="685800" y="4400550"/>
+            <a:ext cx="5486400" cy="3600450"/>
+          </a:xfrm>
+          <a:prstGeom prst="rect">
+            <a:avLst/>
+          </a:prstGeom>
+        </p:spPr>
+        <p:txBody>
+          <a:bodyPr vert="horz" lIns="91440" tIns="45720" rIns="91440" bIns="45720" rtlCol="0"/>
+          <a:lstStyle/>
+          <a:p>
+            <a:r>
+              <a:rPr kumimoji="1" lang="ja-JP" altLang="en-US"/>
+              <a:t>マスター テキストの書式設定
+第 </a:t>
+            </a:r>
+            <a:r>
+              <a:rPr kumimoji="1" lang="en-US" altLang="ja-JP"/>
+              <a:t>2 </a:t>
+            </a:r>
+            <a:r>
+              <a:rPr kumimoji="1" lang="ja-JP" altLang="en-US"/>
+              <a:t>レベル
+第 </a:t>
+            </a:r>
+            <a:r>
+              <a:rPr kumimoji="1" lang="en-US" altLang="ja-JP"/>
+              <a:t>3 </a:t>
+            </a:r>
+            <a:r>
+              <a:rPr kumimoji="1" lang="ja-JP" altLang="en-US"/>
+              <a:t>レベル
+第 </a:t>
+            </a:r>
+            <a:r>
+              <a:rPr kumimoji="1" lang="en-US" altLang="ja-JP"/>
+              <a:t>4 </a:t>
+            </a:r>
+            <a:r>
+              <a:rPr kumimoji="1" lang="ja-JP" altLang="en-US"/>
+              <a:t>レベル
+第 </a:t>
+            </a:r>
+            <a:r>
+              <a:rPr kumimoji="1" lang="en-US" altLang="ja-JP"/>
+              <a:t>5 </a:t>
+            </a:r>
+            <a:r>
+              <a:rPr kumimoji="1" lang="ja-JP" altLang="en-US"/>
+              <a:t>レベル</a:t>
+            </a:r>
+          </a:p>
+        </p:txBody>
+      </p:sp>
+      <p:sp>
+        <p:nvSpPr>
+          <p:cNvPr id="6" name="フッター プレースホルダー 5"/>
+          <p:cNvSpPr>
+            <a:spLocks noGrp="1"/>
+          </p:cNvSpPr>
+          <p:nvPr>
+            <p:ph type="ftr" sz="quarter" idx="4"/>
+          </p:nvPr>
+        </p:nvSpPr>
+        <p:spPr>
+          <a:xfrm>
+            <a:off x="0" y="8685213"/>
+            <a:ext cx="2971800" cy="458787"/>
+          </a:xfrm>
+          <a:prstGeom prst="rect">
+            <a:avLst/>
+          </a:prstGeom>
+        </p:spPr>
+        <p:txBody>
+          <a:bodyPr vert="horz" lIns="91440" tIns="45720" rIns="91440" bIns="45720" rtlCol="0" anchor="b"/>
+          <a:lstStyle>
+            <a:lvl1pPr algn="l">
+              <a:defRPr sz="1200"/>
+            </a:lvl1pPr>
+          </a:lstStyle>
+          <a:p>
+            <a:endParaRPr kumimoji="1" lang="ja-JP" altLang="en-US"/>
+          </a:p>
+        </p:txBody>
+      </p:sp>
+      <p:sp>
+        <p:nvSpPr>
+          <p:cNvPr id="7" name="スライド番号プレースホルダー 6"/>
+          <p:cNvSpPr>
+            <a:spLocks noGrp="1"/>
+          </p:cNvSpPr>
+          <p:nvPr>
+            <p:ph type="sldNum" sz="quarter" idx="5"/>
+          </p:nvPr>
+        </p:nvSpPr>
+        <p:spPr>
+          <a:xfrm>
+            <a:off x="3884613" y="8685213"/>
+            <a:ext cx="2971800" cy="458787"/>
+          </a:xfrm>
+          <a:prstGeom prst="rect">
+            <a:avLst/>
+          </a:prstGeom>
+        </p:spPr>
+        <p:txBody>
+          <a:bodyPr vert="horz" lIns="91440" tIns="45720" rIns="91440" bIns="45720" rtlCol="0" anchor="b"/>
+          <a:lstStyle>
+            <a:lvl1pPr algn="r">
+              <a:defRPr sz="1200"/>
+            </a:lvl1pPr>
+          </a:lstStyle>
+          <a:p>
+            <a:fld id="{75778030-F183-664F-8F81-7D7C3CB18015}" type="slidenum">
+              <a:rPr kumimoji="1" lang="ja-JP" altLang="en-US" smtClean="0"/>
+              <a:t>‹#›</a:t>
+            </a:fld>
+            <a:endParaRPr kumimoji="1" lang="ja-JP" altLang="en-US"/>
+          </a:p>
+        </p:txBody>
+      </p:sp>
+    </p:spTree>
+    <p:extLst>
+      <p:ext uri="{BB962C8B-B14F-4D97-AF65-F5344CB8AC3E}">
+        <p14:creationId xmlns:p14="http://schemas.microsoft.com/office/powerpoint/2010/main" val="104735728"/>
+      </p:ext>
+    </p:extLst>
+  </p:cSld>
+  <p:clrMap bg1="lt1" tx1="dk1" bg2="lt2" tx2="dk2" accent1="accent1" accent2="accent2" accent3="accent3" accent4="accent4" accent5="accent5" accent6="accent6" hlink="hlink" folHlink="folHlink"/>
+  <p:notesStyle>
+    <a:lvl1pPr marL="0" algn="l" defTabSz="914400" rtl="0" eaLnBrk="1" latinLnBrk="0" hangingPunct="1">
+      <a:defRPr kumimoji="1" sz="1200" kern="1200">
+        <a:solidFill>
+          <a:schemeClr val="tx1"/>
+        </a:solidFill>
+        <a:latin typeface="+mn-lt"/>
+        <a:ea typeface="+mn-ea"/>
+        <a:cs typeface="+mn-cs"/>
+      </a:defRPr>
+    </a:lvl1pPr>
+    <a:lvl2pPr marL="457200" algn="l" defTabSz="914400" rtl="0" eaLnBrk="1" latinLnBrk="0" hangingPunct="1">
+      <a:defRPr kumimoji="1" sz="1200" kern="1200">
+        <a:solidFill>
+          <a:schemeClr val="tx1"/>
+        </a:solidFill>
+        <a:latin typeface="+mn-lt"/>
+        <a:ea typeface="+mn-ea"/>
+        <a:cs typeface="+mn-cs"/>
+      </a:defRPr>
+    </a:lvl2pPr>
+    <a:lvl3pPr marL="914400" algn="l" defTabSz="914400" rtl="0" eaLnBrk="1" latinLnBrk="0" hangingPunct="1">
+      <a:defRPr kumimoji="1" sz="1200" kern="1200">
+        <a:solidFill>
+          <a:schemeClr val="tx1"/>
+        </a:solidFill>
+        <a:latin typeface="+mn-lt"/>
+        <a:ea typeface="+mn-ea"/>
+        <a:cs typeface="+mn-cs"/>
+      </a:defRPr>
+    </a:lvl3pPr>
+    <a:lvl4pPr marL="1371600" algn="l" defTabSz="914400" rtl="0" eaLnBrk="1" latinLnBrk="0" hangingPunct="1">
+      <a:defRPr kumimoji="1" sz="1200" kern="1200">
+        <a:solidFill>
+          <a:schemeClr val="tx1"/>
+        </a:solidFill>
+        <a:latin typeface="+mn-lt"/>
+        <a:ea typeface="+mn-ea"/>
+        <a:cs typeface="+mn-cs"/>
+      </a:defRPr>
+    </a:lvl4pPr>
+    <a:lvl5pPr marL="1828800" algn="l" defTabSz="914400" rtl="0" eaLnBrk="1" latinLnBrk="0" hangingPunct="1">
+      <a:defRPr kumimoji="1" sz="1200" kern="1200">
+        <a:solidFill>
+          <a:schemeClr val="tx1"/>
+        </a:solidFill>
+        <a:latin typeface="+mn-lt"/>
+        <a:ea typeface="+mn-ea"/>
+        <a:cs typeface="+mn-cs"/>
+      </a:defRPr>
+    </a:lvl5pPr>
+    <a:lvl6pPr marL="2286000" algn="l" defTabSz="914400" rtl="0" eaLnBrk="1" latinLnBrk="0" hangingPunct="1">
+      <a:defRPr kumimoji="1" sz="1200" kern="1200">
+        <a:solidFill>
+          <a:schemeClr val="tx1"/>
+        </a:solidFill>
+        <a:latin typeface="+mn-lt"/>
+        <a:ea typeface="+mn-ea"/>
+        <a:cs typeface="+mn-cs"/>
+      </a:defRPr>
+    </a:lvl6pPr>
+    <a:lvl7pPr marL="2743200" algn="l" defTabSz="914400" rtl="0" eaLnBrk="1" latinLnBrk="0" hangingPunct="1">
+      <a:defRPr kumimoji="1" sz="1200" kern="1200">
+        <a:solidFill>
+          <a:schemeClr val="tx1"/>
+        </a:solidFill>
+        <a:latin typeface="+mn-lt"/>
+        <a:ea typeface="+mn-ea"/>
+        <a:cs typeface="+mn-cs"/>
+      </a:defRPr>
+    </a:lvl7pPr>
+    <a:lvl8pPr marL="3200400" algn="l" defTabSz="914400" rtl="0" eaLnBrk="1" latinLnBrk="0" hangingPunct="1">
+      <a:defRPr kumimoji="1" sz="1200" kern="1200">
+        <a:solidFill>
+          <a:schemeClr val="tx1"/>
+        </a:solidFill>
+        <a:latin typeface="+mn-lt"/>
+        <a:ea typeface="+mn-ea"/>
+        <a:cs typeface="+mn-cs"/>
+      </a:defRPr>
+    </a:lvl8pPr>
+    <a:lvl9pPr marL="3657600" algn="l" defTabSz="914400" rtl="0" eaLnBrk="1" latinLnBrk="0" hangingPunct="1">
+      <a:defRPr kumimoji="1" sz="1200" kern="1200">
+        <a:solidFill>
+          <a:schemeClr val="tx1"/>
+        </a:solidFill>
+        <a:latin typeface="+mn-lt"/>
+        <a:ea typeface="+mn-ea"/>
+        <a:cs typeface="+mn-cs"/>
+      </a:defRPr>
+    </a:lvl9pPr>
+  </p:notesStyle>
+</p:notesMaster>
+</file>
+
+<file path=ppt/notesSlides/notesSlide1.xml><?xml version="1.0" encoding="utf-8"?>
+<p:notes xmlns:a="http://schemas.openxmlformats.org/drawingml/2006/main" xmlns:r="http://schemas.openxmlformats.org/officeDocument/2006/relationships" xmlns:p="http://schemas.openxmlformats.org/presentationml/2006/main">
+  <p:cSld>
+    <p:spTree>
+      <p:nvGrpSpPr>
+        <p:cNvPr id="1" name=""/>
+        <p:cNvGrpSpPr/>
+        <p:nvPr/>
+      </p:nvGrpSpPr>
+      <p:grpSpPr>
+        <a:xfrm>
+          <a:off x="0" y="0"/>
+          <a:ext cx="0" cy="0"/>
+          <a:chOff x="0" y="0"/>
+          <a:chExt cx="0" cy="0"/>
+        </a:xfrm>
+      </p:grpSpPr>
+      <p:sp>
+        <p:nvSpPr>
+          <p:cNvPr id="2" name="スライド イメージ プレースホルダー 1"/>
+          <p:cNvSpPr>
+            <a:spLocks noGrp="1" noRot="1" noChangeAspect="1"/>
+          </p:cNvSpPr>
+          <p:nvPr>
+            <p:ph type="sldImg"/>
+          </p:nvPr>
+        </p:nvSpPr>
+        <p:spPr/>
+      </p:sp>
+      <p:sp>
+        <p:nvSpPr>
+          <p:cNvPr id="3" name="ノート プレースホルダー 2"/>
+          <p:cNvSpPr>
+            <a:spLocks noGrp="1"/>
+          </p:cNvSpPr>
+          <p:nvPr>
+            <p:ph type="body" idx="1"/>
+          </p:nvPr>
+        </p:nvSpPr>
+        <p:spPr/>
+        <p:txBody>
+          <a:bodyPr/>
+          <a:lstStyle/>
+          <a:p>
+            <a:endParaRPr kumimoji="1" lang="ja-JP" altLang="en-US"/>
+          </a:p>
+        </p:txBody>
+      </p:sp>
+      <p:sp>
+        <p:nvSpPr>
+          <p:cNvPr id="4" name="スライド番号プレースホルダー 3"/>
+          <p:cNvSpPr>
+            <a:spLocks noGrp="1"/>
+          </p:cNvSpPr>
+          <p:nvPr>
+            <p:ph type="sldNum" sz="quarter" idx="5"/>
+          </p:nvPr>
+        </p:nvSpPr>
+        <p:spPr/>
+        <p:txBody>
+          <a:bodyPr/>
+          <a:lstStyle/>
+          <a:p>
+            <a:fld id="{75778030-F183-664F-8F81-7D7C3CB18015}" type="slidenum">
+              <a:rPr kumimoji="1" lang="ja-JP" altLang="en-US" smtClean="0"/>
+              <a:t>2</a:t>
+            </a:fld>
+            <a:endParaRPr kumimoji="1" lang="ja-JP" altLang="en-US"/>
+          </a:p>
+        </p:txBody>
+      </p:sp>
+    </p:spTree>
+    <p:extLst>
+      <p:ext uri="{BB962C8B-B14F-4D97-AF65-F5344CB8AC3E}">
+        <p14:creationId xmlns:p14="http://schemas.microsoft.com/office/powerpoint/2010/main" val="2253007069"/>
+      </p:ext>
+    </p:extLst>
+  </p:cSld>
+  <p:clrMapOvr>
+    <a:masterClrMapping/>
+  </p:clrMapOvr>
+</p:notes>
 </file>
 
 <file path=ppt/slideLayouts/slideLayout1.xml><?xml version="1.0" encoding="utf-8"?>
@@ -238,7 +687,7 @@
           <a:p>
             <a:fld id="{AA1EF3A4-23FE-7442-A5C9-AF4903AC482A}" type="datetimeFigureOut">
               <a:rPr kumimoji="1" lang="ja-JP" altLang="en-US" smtClean="0"/>
-              <a:t>2018/11/29</a:t>
+              <a:t>2019/1/10</a:t>
             </a:fld>
             <a:endParaRPr kumimoji="1" lang="ja-JP" altLang="en-US"/>
           </a:p>
@@ -416,7 +865,7 @@
           <a:p>
             <a:fld id="{AA1EF3A4-23FE-7442-A5C9-AF4903AC482A}" type="datetimeFigureOut">
               <a:rPr kumimoji="1" lang="ja-JP" altLang="en-US" smtClean="0"/>
-              <a:t>2018/11/29</a:t>
+              <a:t>2019/1/10</a:t>
             </a:fld>
             <a:endParaRPr kumimoji="1" lang="ja-JP" altLang="en-US"/>
           </a:p>
@@ -604,7 +1053,7 @@
           <a:p>
             <a:fld id="{AA1EF3A4-23FE-7442-A5C9-AF4903AC482A}" type="datetimeFigureOut">
               <a:rPr kumimoji="1" lang="ja-JP" altLang="en-US" smtClean="0"/>
-              <a:t>2018/11/29</a:t>
+              <a:t>2019/1/10</a:t>
             </a:fld>
             <a:endParaRPr kumimoji="1" lang="ja-JP" altLang="en-US"/>
           </a:p>
@@ -782,7 +1231,7 @@
           <a:p>
             <a:fld id="{AA1EF3A4-23FE-7442-A5C9-AF4903AC482A}" type="datetimeFigureOut">
               <a:rPr kumimoji="1" lang="ja-JP" altLang="en-US" smtClean="0"/>
-              <a:t>2018/11/29</a:t>
+              <a:t>2019/1/10</a:t>
             </a:fld>
             <a:endParaRPr kumimoji="1" lang="ja-JP" altLang="en-US"/>
           </a:p>
@@ -1063,7 +1512,7 @@
           <a:p>
             <a:fld id="{AA1EF3A4-23FE-7442-A5C9-AF4903AC482A}" type="datetimeFigureOut">
               <a:rPr kumimoji="1" lang="ja-JP" altLang="en-US" smtClean="0"/>
-              <a:t>2018/11/29</a:t>
+              <a:t>2019/1/10</a:t>
             </a:fld>
             <a:endParaRPr kumimoji="1" lang="ja-JP" altLang="en-US"/>
           </a:p>
@@ -1311,7 +1760,7 @@
           <a:p>
             <a:fld id="{AA1EF3A4-23FE-7442-A5C9-AF4903AC482A}" type="datetimeFigureOut">
               <a:rPr kumimoji="1" lang="ja-JP" altLang="en-US" smtClean="0"/>
-              <a:t>2018/11/29</a:t>
+              <a:t>2019/1/10</a:t>
             </a:fld>
             <a:endParaRPr kumimoji="1" lang="ja-JP" altLang="en-US"/>
           </a:p>
@@ -1768,7 +2217,7 @@
           <a:p>
             <a:fld id="{AA1EF3A4-23FE-7442-A5C9-AF4903AC482A}" type="datetimeFigureOut">
               <a:rPr kumimoji="1" lang="ja-JP" altLang="en-US" smtClean="0"/>
-              <a:t>2018/11/29</a:t>
+              <a:t>2019/1/10</a:t>
             </a:fld>
             <a:endParaRPr kumimoji="1" lang="ja-JP" altLang="en-US"/>
           </a:p>
@@ -1886,7 +2335,7 @@
           <a:p>
             <a:fld id="{AA1EF3A4-23FE-7442-A5C9-AF4903AC482A}" type="datetimeFigureOut">
               <a:rPr kumimoji="1" lang="ja-JP" altLang="en-US" smtClean="0"/>
-              <a:t>2018/11/29</a:t>
+              <a:t>2019/1/10</a:t>
             </a:fld>
             <a:endParaRPr kumimoji="1" lang="ja-JP" altLang="en-US"/>
           </a:p>
@@ -1981,7 +2430,7 @@
           <a:p>
             <a:fld id="{AA1EF3A4-23FE-7442-A5C9-AF4903AC482A}" type="datetimeFigureOut">
               <a:rPr kumimoji="1" lang="ja-JP" altLang="en-US" smtClean="0"/>
-              <a:t>2018/11/29</a:t>
+              <a:t>2019/1/10</a:t>
             </a:fld>
             <a:endParaRPr kumimoji="1" lang="ja-JP" altLang="en-US"/>
           </a:p>
@@ -2303,7 +2752,7 @@
           <a:p>
             <a:fld id="{AA1EF3A4-23FE-7442-A5C9-AF4903AC482A}" type="datetimeFigureOut">
               <a:rPr kumimoji="1" lang="ja-JP" altLang="en-US" smtClean="0"/>
-              <a:t>2018/11/29</a:t>
+              <a:t>2019/1/10</a:t>
             </a:fld>
             <a:endParaRPr kumimoji="1" lang="ja-JP" altLang="en-US"/>
           </a:p>
@@ -2597,7 +3046,7 @@
           <a:p>
             <a:fld id="{AA1EF3A4-23FE-7442-A5C9-AF4903AC482A}" type="datetimeFigureOut">
               <a:rPr kumimoji="1" lang="ja-JP" altLang="en-US" smtClean="0"/>
-              <a:t>2018/11/29</a:t>
+              <a:t>2019/1/10</a:t>
             </a:fld>
             <a:endParaRPr kumimoji="1" lang="ja-JP" altLang="en-US"/>
           </a:p>
@@ -2818,7 +3267,7 @@
           <a:p>
             <a:fld id="{AA1EF3A4-23FE-7442-A5C9-AF4903AC482A}" type="datetimeFigureOut">
               <a:rPr kumimoji="1" lang="ja-JP" altLang="en-US" smtClean="0"/>
-              <a:t>2018/11/29</a:t>
+              <a:t>2019/1/10</a:t>
             </a:fld>
             <a:endParaRPr kumimoji="1" lang="ja-JP" altLang="en-US"/>
           </a:p>
@@ -3241,8 +3690,8 @@
         </p:nvSpPr>
         <p:spPr>
           <a:xfrm>
-            <a:off x="0" y="-17253"/>
-            <a:ext cx="6918385" cy="1095557"/>
+            <a:off x="67732" y="0"/>
+            <a:ext cx="6231467" cy="1095557"/>
           </a:xfrm>
         </p:spPr>
         <p:txBody>
@@ -3304,7 +3753,7 @@
         </p:nvSpPr>
         <p:spPr>
           <a:xfrm>
-            <a:off x="6676844" y="176844"/>
+            <a:off x="6456715" y="193777"/>
             <a:ext cx="2820838" cy="776373"/>
           </a:xfrm>
         </p:spPr>
@@ -3336,6 +3785,444 @@
             <a:r>
               <a:rPr kumimoji="1" lang="ja-JP" altLang="en-US" sz="2000"/>
               <a:t>林田和磨</a:t>
+            </a:r>
+          </a:p>
+        </p:txBody>
+      </p:sp>
+      <p:sp>
+        <p:nvSpPr>
+          <p:cNvPr id="7" name="正方形/長方形 6">
+            <a:extLst>
+              <a:ext uri="{FF2B5EF4-FFF2-40B4-BE49-F238E27FC236}">
+                <a16:creationId xmlns:a16="http://schemas.microsoft.com/office/drawing/2014/main" id="{6F04BAF3-F137-794D-A6A1-7CAC97589A50}"/>
+              </a:ext>
+            </a:extLst>
+          </p:cNvPr>
+          <p:cNvSpPr/>
+          <p:nvPr/>
+        </p:nvSpPr>
+        <p:spPr>
+          <a:xfrm>
+            <a:off x="379404" y="1095557"/>
+            <a:ext cx="4294196" cy="11412745"/>
+          </a:xfrm>
+          <a:prstGeom prst="rect">
+            <a:avLst/>
+          </a:prstGeom>
+          <a:noFill/>
+          <a:ln>
+            <a:solidFill>
+              <a:schemeClr val="tx1"/>
+            </a:solidFill>
+          </a:ln>
+        </p:spPr>
+        <p:style>
+          <a:lnRef idx="2">
+            <a:schemeClr val="accent1">
+              <a:shade val="50000"/>
+            </a:schemeClr>
+          </a:lnRef>
+          <a:fillRef idx="1">
+            <a:schemeClr val="accent1"/>
+          </a:fillRef>
+          <a:effectRef idx="0">
+            <a:schemeClr val="accent1"/>
+          </a:effectRef>
+          <a:fontRef idx="minor">
+            <a:schemeClr val="lt1"/>
+          </a:fontRef>
+        </p:style>
+        <p:txBody>
+          <a:bodyPr rtlCol="0" anchor="ctr"/>
+          <a:lstStyle/>
+          <a:p>
+            <a:pPr algn="ctr"/>
+            <a:endParaRPr kumimoji="1" lang="ja-JP" altLang="en-US"/>
+          </a:p>
+        </p:txBody>
+      </p:sp>
+      <p:sp>
+        <p:nvSpPr>
+          <p:cNvPr id="8" name="正方形/長方形 7">
+            <a:extLst>
+              <a:ext uri="{FF2B5EF4-FFF2-40B4-BE49-F238E27FC236}">
+                <a16:creationId xmlns:a16="http://schemas.microsoft.com/office/drawing/2014/main" id="{6B9B1F9D-8DE1-A047-9405-F53166A0BAFC}"/>
+              </a:ext>
+            </a:extLst>
+          </p:cNvPr>
+          <p:cNvSpPr/>
+          <p:nvPr/>
+        </p:nvSpPr>
+        <p:spPr>
+          <a:xfrm>
+            <a:off x="4995333" y="1095557"/>
+            <a:ext cx="4282219" cy="11412745"/>
+          </a:xfrm>
+          <a:prstGeom prst="rect">
+            <a:avLst/>
+          </a:prstGeom>
+          <a:noFill/>
+          <a:ln>
+            <a:solidFill>
+              <a:schemeClr val="tx1"/>
+            </a:solidFill>
+          </a:ln>
+        </p:spPr>
+        <p:style>
+          <a:lnRef idx="2">
+            <a:schemeClr val="accent1">
+              <a:shade val="50000"/>
+            </a:schemeClr>
+          </a:lnRef>
+          <a:fillRef idx="1">
+            <a:schemeClr val="accent1"/>
+          </a:fillRef>
+          <a:effectRef idx="0">
+            <a:schemeClr val="accent1"/>
+          </a:effectRef>
+          <a:fontRef idx="minor">
+            <a:schemeClr val="lt1"/>
+          </a:fontRef>
+        </p:style>
+        <p:txBody>
+          <a:bodyPr rtlCol="0" anchor="ctr"/>
+          <a:lstStyle/>
+          <a:p>
+            <a:pPr algn="ctr"/>
+            <a:endParaRPr kumimoji="1" lang="ja-JP" altLang="en-US"/>
+          </a:p>
+        </p:txBody>
+      </p:sp>
+      <p:sp>
+        <p:nvSpPr>
+          <p:cNvPr id="9" name="正方形/長方形 8">
+            <a:extLst>
+              <a:ext uri="{FF2B5EF4-FFF2-40B4-BE49-F238E27FC236}">
+                <a16:creationId xmlns:a16="http://schemas.microsoft.com/office/drawing/2014/main" id="{88D28BD8-76FE-E041-B5B7-779EDD7BBC24}"/>
+              </a:ext>
+            </a:extLst>
+          </p:cNvPr>
+          <p:cNvSpPr/>
+          <p:nvPr/>
+        </p:nvSpPr>
+        <p:spPr>
+          <a:xfrm>
+            <a:off x="457200" y="1168400"/>
+            <a:ext cx="4148667" cy="3081867"/>
+          </a:xfrm>
+          <a:prstGeom prst="rect">
+            <a:avLst/>
+          </a:prstGeom>
+          <a:solidFill>
+            <a:schemeClr val="bg1">
+              <a:lumMod val="85000"/>
+              <a:alpha val="99000"/>
+            </a:schemeClr>
+          </a:solidFill>
+          <a:ln>
+            <a:noFill/>
+          </a:ln>
+        </p:spPr>
+        <p:style>
+          <a:lnRef idx="2">
+            <a:schemeClr val="accent1">
+              <a:shade val="50000"/>
+            </a:schemeClr>
+          </a:lnRef>
+          <a:fillRef idx="1">
+            <a:schemeClr val="accent1"/>
+          </a:fillRef>
+          <a:effectRef idx="0">
+            <a:schemeClr val="accent1"/>
+          </a:effectRef>
+          <a:fontRef idx="minor">
+            <a:schemeClr val="lt1"/>
+          </a:fontRef>
+        </p:style>
+        <p:txBody>
+          <a:bodyPr rtlCol="0" anchor="ctr"/>
+          <a:lstStyle/>
+          <a:p>
+            <a:pPr algn="ctr"/>
+            <a:r>
+              <a:rPr kumimoji="1" lang="ja-JP" altLang="en-US" sz="4000">
+                <a:solidFill>
+                  <a:schemeClr val="tx1"/>
+                </a:solidFill>
+              </a:rPr>
+              <a:t>実験目的・背景</a:t>
+            </a:r>
+          </a:p>
+        </p:txBody>
+      </p:sp>
+      <p:sp>
+        <p:nvSpPr>
+          <p:cNvPr id="10" name="正方形/長方形 9">
+            <a:extLst>
+              <a:ext uri="{FF2B5EF4-FFF2-40B4-BE49-F238E27FC236}">
+                <a16:creationId xmlns:a16="http://schemas.microsoft.com/office/drawing/2014/main" id="{82D33252-D02F-AE48-B7EE-7559DA381B2B}"/>
+              </a:ext>
+            </a:extLst>
+          </p:cNvPr>
+          <p:cNvSpPr/>
+          <p:nvPr/>
+        </p:nvSpPr>
+        <p:spPr>
+          <a:xfrm>
+            <a:off x="457200" y="4453467"/>
+            <a:ext cx="4148667" cy="3081867"/>
+          </a:xfrm>
+          <a:prstGeom prst="rect">
+            <a:avLst/>
+          </a:prstGeom>
+          <a:solidFill>
+            <a:schemeClr val="bg1">
+              <a:lumMod val="85000"/>
+              <a:alpha val="99000"/>
+            </a:schemeClr>
+          </a:solidFill>
+          <a:ln>
+            <a:noFill/>
+          </a:ln>
+        </p:spPr>
+        <p:style>
+          <a:lnRef idx="2">
+            <a:schemeClr val="accent1">
+              <a:shade val="50000"/>
+            </a:schemeClr>
+          </a:lnRef>
+          <a:fillRef idx="1">
+            <a:schemeClr val="accent1"/>
+          </a:fillRef>
+          <a:effectRef idx="0">
+            <a:schemeClr val="accent1"/>
+          </a:effectRef>
+          <a:fontRef idx="minor">
+            <a:schemeClr val="lt1"/>
+          </a:fontRef>
+        </p:style>
+        <p:txBody>
+          <a:bodyPr rtlCol="0" anchor="ctr"/>
+          <a:lstStyle/>
+          <a:p>
+            <a:pPr algn="ctr"/>
+            <a:r>
+              <a:rPr kumimoji="1" lang="en-US" altLang="ja-JP" sz="4000" dirty="0">
+                <a:solidFill>
+                  <a:schemeClr val="tx1"/>
+                </a:solidFill>
+              </a:rPr>
+              <a:t>1.</a:t>
+            </a:r>
+            <a:r>
+              <a:rPr kumimoji="1" lang="ja-JP" altLang="en-US" sz="4000">
+                <a:solidFill>
+                  <a:schemeClr val="tx1"/>
+                </a:solidFill>
+              </a:rPr>
+              <a:t>前処理</a:t>
+            </a:r>
+          </a:p>
+        </p:txBody>
+      </p:sp>
+      <p:sp>
+        <p:nvSpPr>
+          <p:cNvPr id="11" name="正方形/長方形 10">
+            <a:extLst>
+              <a:ext uri="{FF2B5EF4-FFF2-40B4-BE49-F238E27FC236}">
+                <a16:creationId xmlns:a16="http://schemas.microsoft.com/office/drawing/2014/main" id="{A3830996-C8CD-044A-B9FF-F1241F31BCD2}"/>
+              </a:ext>
+            </a:extLst>
+          </p:cNvPr>
+          <p:cNvSpPr/>
+          <p:nvPr/>
+        </p:nvSpPr>
+        <p:spPr>
+          <a:xfrm>
+            <a:off x="457200" y="7738534"/>
+            <a:ext cx="4148667" cy="3081867"/>
+          </a:xfrm>
+          <a:prstGeom prst="rect">
+            <a:avLst/>
+          </a:prstGeom>
+          <a:solidFill>
+            <a:schemeClr val="bg1">
+              <a:lumMod val="85000"/>
+              <a:alpha val="99000"/>
+            </a:schemeClr>
+          </a:solidFill>
+          <a:ln>
+            <a:noFill/>
+          </a:ln>
+        </p:spPr>
+        <p:style>
+          <a:lnRef idx="2">
+            <a:schemeClr val="accent1">
+              <a:shade val="50000"/>
+            </a:schemeClr>
+          </a:lnRef>
+          <a:fillRef idx="1">
+            <a:schemeClr val="accent1"/>
+          </a:fillRef>
+          <a:effectRef idx="0">
+            <a:schemeClr val="accent1"/>
+          </a:effectRef>
+          <a:fontRef idx="minor">
+            <a:schemeClr val="lt1"/>
+          </a:fontRef>
+        </p:style>
+        <p:txBody>
+          <a:bodyPr rtlCol="0" anchor="ctr"/>
+          <a:lstStyle/>
+          <a:p>
+            <a:pPr algn="ctr"/>
+            <a:r>
+              <a:rPr kumimoji="1" lang="en-US" altLang="ja-JP" sz="4000" dirty="0">
+                <a:solidFill>
+                  <a:schemeClr val="tx1"/>
+                </a:solidFill>
+              </a:rPr>
+              <a:t>2.</a:t>
+            </a:r>
+            <a:r>
+              <a:rPr kumimoji="1" lang="ja-JP" altLang="en-US" sz="4000">
+                <a:solidFill>
+                  <a:schemeClr val="tx1"/>
+                </a:solidFill>
+              </a:rPr>
+              <a:t>特徴抽出</a:t>
+            </a:r>
+          </a:p>
+        </p:txBody>
+      </p:sp>
+      <p:sp>
+        <p:nvSpPr>
+          <p:cNvPr id="12" name="正方形/長方形 11">
+            <a:extLst>
+              <a:ext uri="{FF2B5EF4-FFF2-40B4-BE49-F238E27FC236}">
+                <a16:creationId xmlns:a16="http://schemas.microsoft.com/office/drawing/2014/main" id="{4AF0F900-347F-354E-9514-26285391E5E2}"/>
+              </a:ext>
+            </a:extLst>
+          </p:cNvPr>
+          <p:cNvSpPr/>
+          <p:nvPr/>
+        </p:nvSpPr>
+        <p:spPr>
+          <a:xfrm>
+            <a:off x="5062108" y="1168400"/>
+            <a:ext cx="4148667" cy="3081867"/>
+          </a:xfrm>
+          <a:prstGeom prst="rect">
+            <a:avLst/>
+          </a:prstGeom>
+          <a:solidFill>
+            <a:schemeClr val="bg1">
+              <a:lumMod val="85000"/>
+              <a:alpha val="99000"/>
+            </a:schemeClr>
+          </a:solidFill>
+          <a:ln>
+            <a:noFill/>
+          </a:ln>
+        </p:spPr>
+        <p:style>
+          <a:lnRef idx="2">
+            <a:schemeClr val="accent1">
+              <a:shade val="50000"/>
+            </a:schemeClr>
+          </a:lnRef>
+          <a:fillRef idx="1">
+            <a:schemeClr val="accent1"/>
+          </a:fillRef>
+          <a:effectRef idx="0">
+            <a:schemeClr val="accent1"/>
+          </a:effectRef>
+          <a:fontRef idx="minor">
+            <a:schemeClr val="lt1"/>
+          </a:fontRef>
+        </p:style>
+        <p:txBody>
+          <a:bodyPr rtlCol="0" anchor="ctr"/>
+          <a:lstStyle/>
+          <a:p>
+            <a:pPr algn="ctr"/>
+            <a:r>
+              <a:rPr kumimoji="1" lang="en-US" altLang="ja-JP" sz="4000" dirty="0">
+                <a:solidFill>
+                  <a:schemeClr val="tx1"/>
+                </a:solidFill>
+              </a:rPr>
+              <a:t>3.</a:t>
+            </a:r>
+            <a:r>
+              <a:rPr kumimoji="1" lang="ja-JP" altLang="en-US" sz="4000">
+                <a:solidFill>
+                  <a:schemeClr val="tx1"/>
+                </a:solidFill>
+              </a:rPr>
+              <a:t>識別部</a:t>
+            </a:r>
+          </a:p>
+        </p:txBody>
+      </p:sp>
+      <p:sp>
+        <p:nvSpPr>
+          <p:cNvPr id="13" name="正方形/長方形 12">
+            <a:extLst>
+              <a:ext uri="{FF2B5EF4-FFF2-40B4-BE49-F238E27FC236}">
+                <a16:creationId xmlns:a16="http://schemas.microsoft.com/office/drawing/2014/main" id="{E959EB3E-4989-594B-8485-C77A375593AB}"/>
+              </a:ext>
+            </a:extLst>
+          </p:cNvPr>
+          <p:cNvSpPr/>
+          <p:nvPr/>
+        </p:nvSpPr>
+        <p:spPr>
+          <a:xfrm>
+            <a:off x="5062108" y="4453467"/>
+            <a:ext cx="4148667" cy="3081867"/>
+          </a:xfrm>
+          <a:prstGeom prst="rect">
+            <a:avLst/>
+          </a:prstGeom>
+          <a:solidFill>
+            <a:schemeClr val="bg1">
+              <a:lumMod val="85000"/>
+              <a:alpha val="99000"/>
+            </a:schemeClr>
+          </a:solidFill>
+          <a:ln>
+            <a:noFill/>
+          </a:ln>
+        </p:spPr>
+        <p:style>
+          <a:lnRef idx="2">
+            <a:schemeClr val="accent1">
+              <a:shade val="50000"/>
+            </a:schemeClr>
+          </a:lnRef>
+          <a:fillRef idx="1">
+            <a:schemeClr val="accent1"/>
+          </a:fillRef>
+          <a:effectRef idx="0">
+            <a:schemeClr val="accent1"/>
+          </a:effectRef>
+          <a:fontRef idx="minor">
+            <a:schemeClr val="lt1"/>
+          </a:fontRef>
+        </p:style>
+        <p:txBody>
+          <a:bodyPr rtlCol="0" anchor="ctr"/>
+          <a:lstStyle/>
+          <a:p>
+            <a:pPr algn="ctr"/>
+            <a:r>
+              <a:rPr kumimoji="1" lang="ja-JP" altLang="en-US" sz="4000">
+                <a:solidFill>
+                  <a:schemeClr val="tx1"/>
+                </a:solidFill>
+              </a:rPr>
+              <a:t>結果・まとめ</a:t>
             </a:r>
           </a:p>
         </p:txBody>
@@ -3344,6 +4231,2501 @@
     <p:extLst>
       <p:ext uri="{BB962C8B-B14F-4D97-AF65-F5344CB8AC3E}">
         <p14:creationId xmlns:p14="http://schemas.microsoft.com/office/powerpoint/2010/main" val="2674098424"/>
+      </p:ext>
+    </p:extLst>
+  </p:cSld>
+  <p:clrMapOvr>
+    <a:masterClrMapping/>
+  </p:clrMapOvr>
+</p:sld>
+</file>
+
+<file path=ppt/slides/slide2.xml><?xml version="1.0" encoding="utf-8"?>
+<p:sld xmlns:a="http://schemas.openxmlformats.org/drawingml/2006/main" xmlns:r="http://schemas.openxmlformats.org/officeDocument/2006/relationships" xmlns:p="http://schemas.openxmlformats.org/presentationml/2006/main">
+  <p:cSld>
+    <p:spTree>
+      <p:nvGrpSpPr>
+        <p:cNvPr id="1" name=""/>
+        <p:cNvGrpSpPr/>
+        <p:nvPr/>
+      </p:nvGrpSpPr>
+      <p:grpSpPr>
+        <a:xfrm>
+          <a:off x="0" y="0"/>
+          <a:ext cx="0" cy="0"/>
+          <a:chOff x="0" y="0"/>
+          <a:chExt cx="0" cy="0"/>
+        </a:xfrm>
+      </p:grpSpPr>
+      <p:sp>
+        <p:nvSpPr>
+          <p:cNvPr id="5" name="タイトル 1">
+            <a:extLst>
+              <a:ext uri="{FF2B5EF4-FFF2-40B4-BE49-F238E27FC236}">
+                <a16:creationId xmlns:a16="http://schemas.microsoft.com/office/drawing/2014/main" id="{68355757-A142-1342-BBDC-8BAB8786E617}"/>
+              </a:ext>
+            </a:extLst>
+          </p:cNvPr>
+          <p:cNvSpPr>
+            <a:spLocks noGrp="1"/>
+          </p:cNvSpPr>
+          <p:nvPr>
+            <p:ph type="ctrTitle"/>
+          </p:nvPr>
+        </p:nvSpPr>
+        <p:spPr>
+          <a:xfrm>
+            <a:off x="1736160" y="189280"/>
+            <a:ext cx="7452702" cy="418555"/>
+          </a:xfrm>
+        </p:spPr>
+        <p:txBody>
+          <a:bodyPr anchor="ctr">
+            <a:normAutofit fontScale="90000"/>
+          </a:bodyPr>
+          <a:lstStyle/>
+          <a:p>
+            <a:pPr algn="l"/>
+            <a:r>
+              <a:rPr kumimoji="1" lang="ja-JP" altLang="en-US" sz="2400">
+                <a:latin typeface="Hiragino Kaku Gothic Pro W3" panose="020B0300000000000000" pitchFamily="34" charset="-128"/>
+                <a:ea typeface="Hiragino Kaku Gothic Pro W3" panose="020B0300000000000000" pitchFamily="34" charset="-128"/>
+              </a:rPr>
+              <a:t>情報通信プロジェクト実験マルチメディア情報検索　</a:t>
+            </a:r>
+            <a:endParaRPr kumimoji="1" lang="ja-JP" altLang="en-US" sz="2400" dirty="0">
+              <a:latin typeface="Hiragino Kaku Gothic Pro W3" panose="020B0300000000000000" pitchFamily="34" charset="-128"/>
+              <a:ea typeface="Hiragino Kaku Gothic Pro W3" panose="020B0300000000000000" pitchFamily="34" charset="-128"/>
+            </a:endParaRPr>
+          </a:p>
+        </p:txBody>
+      </p:sp>
+      <p:sp>
+        <p:nvSpPr>
+          <p:cNvPr id="6" name="字幕 2">
+            <a:extLst>
+              <a:ext uri="{FF2B5EF4-FFF2-40B4-BE49-F238E27FC236}">
+                <a16:creationId xmlns:a16="http://schemas.microsoft.com/office/drawing/2014/main" id="{2A403BDF-DFB0-B14D-81A9-C4846C477D1A}"/>
+              </a:ext>
+            </a:extLst>
+          </p:cNvPr>
+          <p:cNvSpPr>
+            <a:spLocks noGrp="1"/>
+          </p:cNvSpPr>
+          <p:nvPr>
+            <p:ph type="subTitle" idx="1"/>
+          </p:nvPr>
+        </p:nvSpPr>
+        <p:spPr>
+          <a:xfrm>
+            <a:off x="1773521" y="550606"/>
+            <a:ext cx="6506319" cy="428299"/>
+          </a:xfrm>
+        </p:spPr>
+        <p:txBody>
+          <a:bodyPr anchor="ctr">
+            <a:normAutofit fontScale="85000" lnSpcReduction="10000"/>
+          </a:bodyPr>
+          <a:lstStyle/>
+          <a:p>
+            <a:pPr algn="l"/>
+            <a:r>
+              <a:rPr lang="ja-JP" altLang="en-US" sz="2000"/>
+              <a:t>伊藤光太郎　林田和磨　</a:t>
+            </a:r>
+            <a:r>
+              <a:rPr lang="en-US" altLang="ja-JP" sz="2000" dirty="0"/>
+              <a:t>18273002 </a:t>
+            </a:r>
+            <a:r>
+              <a:rPr kumimoji="1" lang="ja-JP" altLang="en-US" sz="2000"/>
+              <a:t>平尾礼央</a:t>
+            </a:r>
+            <a:r>
+              <a:rPr lang="ja-JP" altLang="en-US" sz="2000" dirty="0"/>
+              <a:t>　</a:t>
+            </a:r>
+            <a:r>
+              <a:rPr lang="en-US" altLang="ja-JP" sz="2000" dirty="0"/>
+              <a:t>18273003 </a:t>
+            </a:r>
+            <a:r>
+              <a:rPr lang="ja-JP" altLang="en-US" sz="2000"/>
+              <a:t>伊藤広樹</a:t>
+            </a:r>
+            <a:endParaRPr kumimoji="1" lang="ja-JP" altLang="en-US" sz="2000"/>
+          </a:p>
+        </p:txBody>
+      </p:sp>
+      <p:sp>
+        <p:nvSpPr>
+          <p:cNvPr id="7" name="正方形/長方形 6">
+            <a:extLst>
+              <a:ext uri="{FF2B5EF4-FFF2-40B4-BE49-F238E27FC236}">
+                <a16:creationId xmlns:a16="http://schemas.microsoft.com/office/drawing/2014/main" id="{6F04BAF3-F137-794D-A6A1-7CAC97589A50}"/>
+              </a:ext>
+            </a:extLst>
+          </p:cNvPr>
+          <p:cNvSpPr/>
+          <p:nvPr/>
+        </p:nvSpPr>
+        <p:spPr>
+          <a:xfrm>
+            <a:off x="379404" y="1095557"/>
+            <a:ext cx="4294196" cy="11412745"/>
+          </a:xfrm>
+          <a:prstGeom prst="rect">
+            <a:avLst/>
+          </a:prstGeom>
+          <a:noFill/>
+          <a:ln>
+            <a:solidFill>
+              <a:schemeClr val="tx1"/>
+            </a:solidFill>
+          </a:ln>
+        </p:spPr>
+        <p:style>
+          <a:lnRef idx="2">
+            <a:schemeClr val="accent1">
+              <a:shade val="50000"/>
+            </a:schemeClr>
+          </a:lnRef>
+          <a:fillRef idx="1">
+            <a:schemeClr val="accent1"/>
+          </a:fillRef>
+          <a:effectRef idx="0">
+            <a:schemeClr val="accent1"/>
+          </a:effectRef>
+          <a:fontRef idx="minor">
+            <a:schemeClr val="lt1"/>
+          </a:fontRef>
+        </p:style>
+        <p:txBody>
+          <a:bodyPr rtlCol="0" anchor="ctr"/>
+          <a:lstStyle/>
+          <a:p>
+            <a:pPr algn="ctr"/>
+            <a:endParaRPr kumimoji="1" lang="ja-JP" altLang="en-US"/>
+          </a:p>
+        </p:txBody>
+      </p:sp>
+      <p:sp>
+        <p:nvSpPr>
+          <p:cNvPr id="8" name="正方形/長方形 7">
+            <a:extLst>
+              <a:ext uri="{FF2B5EF4-FFF2-40B4-BE49-F238E27FC236}">
+                <a16:creationId xmlns:a16="http://schemas.microsoft.com/office/drawing/2014/main" id="{6B9B1F9D-8DE1-A047-9405-F53166A0BAFC}"/>
+              </a:ext>
+            </a:extLst>
+          </p:cNvPr>
+          <p:cNvSpPr/>
+          <p:nvPr/>
+        </p:nvSpPr>
+        <p:spPr>
+          <a:xfrm>
+            <a:off x="4995333" y="1095557"/>
+            <a:ext cx="4282219" cy="11412745"/>
+          </a:xfrm>
+          <a:prstGeom prst="rect">
+            <a:avLst/>
+          </a:prstGeom>
+          <a:noFill/>
+          <a:ln>
+            <a:solidFill>
+              <a:schemeClr val="tx1"/>
+            </a:solidFill>
+          </a:ln>
+        </p:spPr>
+        <p:style>
+          <a:lnRef idx="2">
+            <a:schemeClr val="accent1">
+              <a:shade val="50000"/>
+            </a:schemeClr>
+          </a:lnRef>
+          <a:fillRef idx="1">
+            <a:schemeClr val="accent1"/>
+          </a:fillRef>
+          <a:effectRef idx="0">
+            <a:schemeClr val="accent1"/>
+          </a:effectRef>
+          <a:fontRef idx="minor">
+            <a:schemeClr val="lt1"/>
+          </a:fontRef>
+        </p:style>
+        <p:txBody>
+          <a:bodyPr rtlCol="0" anchor="ctr"/>
+          <a:lstStyle/>
+          <a:p>
+            <a:pPr algn="ctr"/>
+            <a:endParaRPr kumimoji="1" lang="ja-JP" altLang="en-US"/>
+          </a:p>
+        </p:txBody>
+      </p:sp>
+      <p:sp>
+        <p:nvSpPr>
+          <p:cNvPr id="2" name="テキスト ボックス 1">
+            <a:extLst>
+              <a:ext uri="{FF2B5EF4-FFF2-40B4-BE49-F238E27FC236}">
+                <a16:creationId xmlns:a16="http://schemas.microsoft.com/office/drawing/2014/main" id="{5EFE7FE6-F0E0-634C-B1CE-BBFE4CBDC412}"/>
+              </a:ext>
+            </a:extLst>
+          </p:cNvPr>
+          <p:cNvSpPr txBox="1"/>
+          <p:nvPr/>
+        </p:nvSpPr>
+        <p:spPr>
+          <a:xfrm>
+            <a:off x="457200" y="1192047"/>
+            <a:ext cx="1828800" cy="338554"/>
+          </a:xfrm>
+          <a:prstGeom prst="rect">
+            <a:avLst/>
+          </a:prstGeom>
+          <a:noFill/>
+        </p:spPr>
+        <p:txBody>
+          <a:bodyPr wrap="square" rtlCol="0">
+            <a:spAutoFit/>
+          </a:bodyPr>
+          <a:lstStyle/>
+          <a:p>
+            <a:r>
+              <a:rPr kumimoji="1" lang="ja-JP" altLang="en-US" sz="1600"/>
+              <a:t>実験目的・背景</a:t>
+            </a:r>
+          </a:p>
+        </p:txBody>
+      </p:sp>
+      <p:sp>
+        <p:nvSpPr>
+          <p:cNvPr id="3" name="テキスト ボックス 2">
+            <a:extLst>
+              <a:ext uri="{FF2B5EF4-FFF2-40B4-BE49-F238E27FC236}">
+                <a16:creationId xmlns:a16="http://schemas.microsoft.com/office/drawing/2014/main" id="{1EA5C33F-C103-D74D-9D5D-CB0FFB057D2C}"/>
+              </a:ext>
+            </a:extLst>
+          </p:cNvPr>
+          <p:cNvSpPr txBox="1"/>
+          <p:nvPr/>
+        </p:nvSpPr>
+        <p:spPr>
+          <a:xfrm>
+            <a:off x="457199" y="1511471"/>
+            <a:ext cx="4148668" cy="938719"/>
+          </a:xfrm>
+          <a:prstGeom prst="rect">
+            <a:avLst/>
+          </a:prstGeom>
+          <a:noFill/>
+        </p:spPr>
+        <p:txBody>
+          <a:bodyPr wrap="square" rtlCol="0">
+            <a:spAutoFit/>
+          </a:bodyPr>
+          <a:lstStyle/>
+          <a:p>
+            <a:r>
+              <a:rPr lang="ja-JP" altLang="en-US" sz="1100"/>
+              <a:t>「キムタクに一番似ているのは誰か」という疑問や、「顔をパスワードの代わりとして利用したい」と言った要求に答えるシステムを開発する。代表的なパターン識別手法 </a:t>
+            </a:r>
+            <a:r>
+              <a:rPr lang="en-US" altLang="ja-JP" sz="1100" dirty="0"/>
+              <a:t>(K </a:t>
+            </a:r>
+            <a:r>
+              <a:rPr lang="ja-JP" altLang="en-US" sz="1100"/>
+              <a:t>最近傍法、部分空間法等</a:t>
+            </a:r>
+            <a:r>
+              <a:rPr lang="en-US" altLang="ja-JP" sz="1100" dirty="0"/>
+              <a:t>) </a:t>
+            </a:r>
+            <a:r>
+              <a:rPr lang="ja-JP" altLang="en-US" sz="1100"/>
+              <a:t>を学びながら、高速で認識率のよいアルゴリズムを作成する。</a:t>
+            </a:r>
+            <a:endParaRPr lang="en-US" altLang="ja-JP" sz="600" dirty="0"/>
+          </a:p>
+        </p:txBody>
+      </p:sp>
+      <p:sp>
+        <p:nvSpPr>
+          <p:cNvPr id="14" name="テキスト ボックス 13">
+            <a:extLst>
+              <a:ext uri="{FF2B5EF4-FFF2-40B4-BE49-F238E27FC236}">
+                <a16:creationId xmlns:a16="http://schemas.microsoft.com/office/drawing/2014/main" id="{677A6DE2-925A-1C4D-98C8-DBE9EC3ECF2E}"/>
+              </a:ext>
+            </a:extLst>
+          </p:cNvPr>
+          <p:cNvSpPr txBox="1"/>
+          <p:nvPr/>
+        </p:nvSpPr>
+        <p:spPr>
+          <a:xfrm>
+            <a:off x="460971" y="2575677"/>
+            <a:ext cx="1828800" cy="338554"/>
+          </a:xfrm>
+          <a:prstGeom prst="rect">
+            <a:avLst/>
+          </a:prstGeom>
+          <a:noFill/>
+        </p:spPr>
+        <p:txBody>
+          <a:bodyPr wrap="square" rtlCol="0">
+            <a:spAutoFit/>
+          </a:bodyPr>
+          <a:lstStyle/>
+          <a:p>
+            <a:r>
+              <a:rPr kumimoji="1" lang="ja-JP" altLang="en-US" sz="1600"/>
+              <a:t>データセット</a:t>
+            </a:r>
+          </a:p>
+        </p:txBody>
+      </p:sp>
+      <p:sp>
+        <p:nvSpPr>
+          <p:cNvPr id="15" name="テキスト ボックス 14">
+            <a:extLst>
+              <a:ext uri="{FF2B5EF4-FFF2-40B4-BE49-F238E27FC236}">
+                <a16:creationId xmlns:a16="http://schemas.microsoft.com/office/drawing/2014/main" id="{919C9035-6A4B-4940-B60E-E3438B37D10C}"/>
+              </a:ext>
+            </a:extLst>
+          </p:cNvPr>
+          <p:cNvSpPr txBox="1"/>
+          <p:nvPr/>
+        </p:nvSpPr>
+        <p:spPr>
+          <a:xfrm>
+            <a:off x="460971" y="2895324"/>
+            <a:ext cx="4148668" cy="769441"/>
+          </a:xfrm>
+          <a:prstGeom prst="rect">
+            <a:avLst/>
+          </a:prstGeom>
+          <a:noFill/>
+        </p:spPr>
+        <p:txBody>
+          <a:bodyPr wrap="square" rtlCol="0">
+            <a:spAutoFit/>
+          </a:bodyPr>
+          <a:lstStyle/>
+          <a:p>
+            <a:r>
+              <a:rPr lang="ja-JP" altLang="en-US" sz="1100"/>
+              <a:t>データは</a:t>
+            </a:r>
+            <a:r>
+              <a:rPr lang="en-US" altLang="ja-JP" sz="1100" dirty="0"/>
+              <a:t>20</a:t>
+            </a:r>
+            <a:r>
+              <a:rPr lang="ja-JP" altLang="en-US" sz="1100"/>
+              <a:t>人の顔写真が</a:t>
+            </a:r>
+            <a:r>
+              <a:rPr lang="en-US" altLang="ja-JP" sz="1100" dirty="0"/>
+              <a:t>10</a:t>
+            </a:r>
+            <a:r>
+              <a:rPr lang="ja-JP" altLang="en-US" sz="1100"/>
+              <a:t>枚ずつ計</a:t>
+            </a:r>
+            <a:r>
+              <a:rPr lang="en-US" altLang="ja-JP" sz="1100" dirty="0"/>
+              <a:t>200</a:t>
+            </a:r>
+            <a:r>
+              <a:rPr lang="ja-JP" altLang="en-US" sz="1100"/>
+              <a:t>枚の画像を訓練用データとして使用した。検証用データはその中の人物の顔写真が</a:t>
+            </a:r>
+            <a:r>
+              <a:rPr lang="en-US" altLang="ja-JP" sz="1100" dirty="0"/>
+              <a:t>56</a:t>
+            </a:r>
+            <a:r>
+              <a:rPr lang="ja-JP" altLang="en-US" sz="1100"/>
+              <a:t>枚、それ以外の人物の顔写真が</a:t>
+            </a:r>
+            <a:r>
+              <a:rPr lang="en-US" altLang="ja-JP" sz="1100" dirty="0"/>
+              <a:t>2</a:t>
+            </a:r>
+            <a:r>
+              <a:rPr lang="ja-JP" altLang="en-US" sz="1100"/>
+              <a:t>枚の計</a:t>
+            </a:r>
+            <a:r>
+              <a:rPr lang="en-US" altLang="ja-JP" sz="1100" dirty="0"/>
+              <a:t>58</a:t>
+            </a:r>
+            <a:r>
+              <a:rPr lang="ja-JP" altLang="en-US" sz="1100"/>
+              <a:t>枚である。識別結果は正解率として計算した。</a:t>
+            </a:r>
+            <a:r>
+              <a:rPr lang="en-US" altLang="ja-JP" sz="1100" dirty="0"/>
+              <a:t>(</a:t>
+            </a:r>
+            <a:r>
+              <a:rPr lang="ja-JP" altLang="en-US" sz="1100"/>
+              <a:t>正解数</a:t>
+            </a:r>
+            <a:r>
+              <a:rPr lang="en-US" altLang="ja-JP" sz="1100" dirty="0"/>
+              <a:t> / </a:t>
+            </a:r>
+            <a:r>
+              <a:rPr lang="ja-JP" altLang="en-US" sz="1100"/>
+              <a:t>クエリ数</a:t>
+            </a:r>
+            <a:r>
+              <a:rPr lang="en-US" altLang="ja-JP" sz="1100" dirty="0"/>
+              <a:t>(58))</a:t>
+            </a:r>
+            <a:endParaRPr lang="en-US" altLang="ja-JP" sz="600" dirty="0"/>
+          </a:p>
+        </p:txBody>
+      </p:sp>
+      <p:grpSp>
+        <p:nvGrpSpPr>
+          <p:cNvPr id="16" name="グループ化 15">
+            <a:extLst>
+              <a:ext uri="{FF2B5EF4-FFF2-40B4-BE49-F238E27FC236}">
+                <a16:creationId xmlns:a16="http://schemas.microsoft.com/office/drawing/2014/main" id="{58EFD7CB-B20C-4943-B851-161F1C3EFFEA}"/>
+              </a:ext>
+            </a:extLst>
+          </p:cNvPr>
+          <p:cNvGrpSpPr/>
+          <p:nvPr/>
+        </p:nvGrpSpPr>
+        <p:grpSpPr>
+          <a:xfrm>
+            <a:off x="700856" y="3651566"/>
+            <a:ext cx="620531" cy="479697"/>
+            <a:chOff x="1014834" y="1567987"/>
+            <a:chExt cx="1592780" cy="1231285"/>
+          </a:xfrm>
+        </p:grpSpPr>
+        <p:pic>
+          <p:nvPicPr>
+            <p:cNvPr id="17" name="図 16">
+              <a:extLst>
+                <a:ext uri="{FF2B5EF4-FFF2-40B4-BE49-F238E27FC236}">
+                  <a16:creationId xmlns:a16="http://schemas.microsoft.com/office/drawing/2014/main" id="{D22094F4-A31E-DF45-A5C0-5DCA94C847F3}"/>
+                </a:ext>
+              </a:extLst>
+            </p:cNvPr>
+            <p:cNvPicPr>
+              <a:picLocks noChangeAspect="1"/>
+            </p:cNvPicPr>
+            <p:nvPr/>
+          </p:nvPicPr>
+          <p:blipFill>
+            <a:blip r:embed="rId3"/>
+            <a:stretch>
+              <a:fillRect/>
+            </a:stretch>
+          </p:blipFill>
+          <p:spPr>
+            <a:xfrm>
+              <a:off x="1175426" y="1567987"/>
+              <a:ext cx="1432188" cy="1066682"/>
+            </a:xfrm>
+            <a:prstGeom prst="rect">
+              <a:avLst/>
+            </a:prstGeom>
+          </p:spPr>
+        </p:pic>
+        <p:pic>
+          <p:nvPicPr>
+            <p:cNvPr id="18" name="図 17">
+              <a:extLst>
+                <a:ext uri="{FF2B5EF4-FFF2-40B4-BE49-F238E27FC236}">
+                  <a16:creationId xmlns:a16="http://schemas.microsoft.com/office/drawing/2014/main" id="{414CD49A-D075-564D-A00C-1F429DCD0DDC}"/>
+                </a:ext>
+              </a:extLst>
+            </p:cNvPr>
+            <p:cNvPicPr>
+              <a:picLocks noChangeAspect="1"/>
+            </p:cNvPicPr>
+            <p:nvPr/>
+          </p:nvPicPr>
+          <p:blipFill>
+            <a:blip r:embed="rId4"/>
+            <a:stretch>
+              <a:fillRect/>
+            </a:stretch>
+          </p:blipFill>
+          <p:spPr>
+            <a:xfrm>
+              <a:off x="1138839" y="1604574"/>
+              <a:ext cx="1432188" cy="1066682"/>
+            </a:xfrm>
+            <a:prstGeom prst="rect">
+              <a:avLst/>
+            </a:prstGeom>
+          </p:spPr>
+        </p:pic>
+        <p:pic>
+          <p:nvPicPr>
+            <p:cNvPr id="19" name="図 18">
+              <a:extLst>
+                <a:ext uri="{FF2B5EF4-FFF2-40B4-BE49-F238E27FC236}">
+                  <a16:creationId xmlns:a16="http://schemas.microsoft.com/office/drawing/2014/main" id="{4C502EB9-9D18-B54A-B1DD-D457414B6368}"/>
+                </a:ext>
+              </a:extLst>
+            </p:cNvPr>
+            <p:cNvPicPr>
+              <a:picLocks noChangeAspect="1"/>
+            </p:cNvPicPr>
+            <p:nvPr/>
+          </p:nvPicPr>
+          <p:blipFill>
+            <a:blip r:embed="rId5"/>
+            <a:stretch>
+              <a:fillRect/>
+            </a:stretch>
+          </p:blipFill>
+          <p:spPr>
+            <a:xfrm>
+              <a:off x="1098252" y="1645161"/>
+              <a:ext cx="1432188" cy="1066682"/>
+            </a:xfrm>
+            <a:prstGeom prst="rect">
+              <a:avLst/>
+            </a:prstGeom>
+          </p:spPr>
+        </p:pic>
+        <p:pic>
+          <p:nvPicPr>
+            <p:cNvPr id="20" name="図 19">
+              <a:extLst>
+                <a:ext uri="{FF2B5EF4-FFF2-40B4-BE49-F238E27FC236}">
+                  <a16:creationId xmlns:a16="http://schemas.microsoft.com/office/drawing/2014/main" id="{2A4385DC-3D5A-2948-A566-E160B216AFB8}"/>
+                </a:ext>
+              </a:extLst>
+            </p:cNvPr>
+            <p:cNvPicPr>
+              <a:picLocks noChangeAspect="1"/>
+            </p:cNvPicPr>
+            <p:nvPr/>
+          </p:nvPicPr>
+          <p:blipFill>
+            <a:blip r:embed="rId6"/>
+            <a:stretch>
+              <a:fillRect/>
+            </a:stretch>
+          </p:blipFill>
+          <p:spPr>
+            <a:xfrm>
+              <a:off x="1053654" y="1689759"/>
+              <a:ext cx="1432188" cy="1066682"/>
+            </a:xfrm>
+            <a:prstGeom prst="rect">
+              <a:avLst/>
+            </a:prstGeom>
+          </p:spPr>
+        </p:pic>
+        <p:pic>
+          <p:nvPicPr>
+            <p:cNvPr id="21" name="図 20">
+              <a:extLst>
+                <a:ext uri="{FF2B5EF4-FFF2-40B4-BE49-F238E27FC236}">
+                  <a16:creationId xmlns:a16="http://schemas.microsoft.com/office/drawing/2014/main" id="{9B7F70FA-29A7-D540-9085-26FF52335EEA}"/>
+                </a:ext>
+              </a:extLst>
+            </p:cNvPr>
+            <p:cNvPicPr>
+              <a:picLocks noChangeAspect="1"/>
+            </p:cNvPicPr>
+            <p:nvPr/>
+          </p:nvPicPr>
+          <p:blipFill>
+            <a:blip r:embed="rId7"/>
+            <a:stretch>
+              <a:fillRect/>
+            </a:stretch>
+          </p:blipFill>
+          <p:spPr>
+            <a:xfrm>
+              <a:off x="1014834" y="1732590"/>
+              <a:ext cx="1432188" cy="1066682"/>
+            </a:xfrm>
+            <a:prstGeom prst="rect">
+              <a:avLst/>
+            </a:prstGeom>
+          </p:spPr>
+        </p:pic>
+      </p:grpSp>
+      <p:grpSp>
+        <p:nvGrpSpPr>
+          <p:cNvPr id="22" name="グループ化 21">
+            <a:extLst>
+              <a:ext uri="{FF2B5EF4-FFF2-40B4-BE49-F238E27FC236}">
+                <a16:creationId xmlns:a16="http://schemas.microsoft.com/office/drawing/2014/main" id="{E522184C-14F5-0F45-8836-FE16CFEAD308}"/>
+              </a:ext>
+            </a:extLst>
+          </p:cNvPr>
+          <p:cNvGrpSpPr/>
+          <p:nvPr/>
+        </p:nvGrpSpPr>
+        <p:grpSpPr>
+          <a:xfrm>
+            <a:off x="1367293" y="3648772"/>
+            <a:ext cx="620195" cy="491366"/>
+            <a:chOff x="2832304" y="1551145"/>
+            <a:chExt cx="1591919" cy="1261240"/>
+          </a:xfrm>
+        </p:grpSpPr>
+        <p:pic>
+          <p:nvPicPr>
+            <p:cNvPr id="23" name="図 22">
+              <a:extLst>
+                <a:ext uri="{FF2B5EF4-FFF2-40B4-BE49-F238E27FC236}">
+                  <a16:creationId xmlns:a16="http://schemas.microsoft.com/office/drawing/2014/main" id="{BB8C15A6-B651-514B-8148-CC595243EFC9}"/>
+                </a:ext>
+              </a:extLst>
+            </p:cNvPr>
+            <p:cNvPicPr>
+              <a:picLocks noChangeAspect="1"/>
+            </p:cNvPicPr>
+            <p:nvPr/>
+          </p:nvPicPr>
+          <p:blipFill>
+            <a:blip r:embed="rId8"/>
+            <a:stretch>
+              <a:fillRect/>
+            </a:stretch>
+          </p:blipFill>
+          <p:spPr>
+            <a:xfrm>
+              <a:off x="2992035" y="1551145"/>
+              <a:ext cx="1432188" cy="1066682"/>
+            </a:xfrm>
+            <a:prstGeom prst="rect">
+              <a:avLst/>
+            </a:prstGeom>
+          </p:spPr>
+        </p:pic>
+        <p:pic>
+          <p:nvPicPr>
+            <p:cNvPr id="24" name="図 23">
+              <a:extLst>
+                <a:ext uri="{FF2B5EF4-FFF2-40B4-BE49-F238E27FC236}">
+                  <a16:creationId xmlns:a16="http://schemas.microsoft.com/office/drawing/2014/main" id="{CD528A1E-3549-DC48-8373-16EBEA0446F8}"/>
+                </a:ext>
+              </a:extLst>
+            </p:cNvPr>
+            <p:cNvPicPr>
+              <a:picLocks noChangeAspect="1"/>
+            </p:cNvPicPr>
+            <p:nvPr/>
+          </p:nvPicPr>
+          <p:blipFill>
+            <a:blip r:embed="rId9"/>
+            <a:stretch>
+              <a:fillRect/>
+            </a:stretch>
+          </p:blipFill>
+          <p:spPr>
+            <a:xfrm>
+              <a:off x="2954493" y="1590875"/>
+              <a:ext cx="1432188" cy="1066682"/>
+            </a:xfrm>
+            <a:prstGeom prst="rect">
+              <a:avLst/>
+            </a:prstGeom>
+          </p:spPr>
+        </p:pic>
+        <p:pic>
+          <p:nvPicPr>
+            <p:cNvPr id="25" name="図 24">
+              <a:extLst>
+                <a:ext uri="{FF2B5EF4-FFF2-40B4-BE49-F238E27FC236}">
+                  <a16:creationId xmlns:a16="http://schemas.microsoft.com/office/drawing/2014/main" id="{99677751-CF5F-494D-AC14-0D70ABF3E0FA}"/>
+                </a:ext>
+              </a:extLst>
+            </p:cNvPr>
+            <p:cNvPicPr>
+              <a:picLocks noChangeAspect="1"/>
+            </p:cNvPicPr>
+            <p:nvPr/>
+          </p:nvPicPr>
+          <p:blipFill>
+            <a:blip r:embed="rId10"/>
+            <a:stretch>
+              <a:fillRect/>
+            </a:stretch>
+          </p:blipFill>
+          <p:spPr>
+            <a:xfrm>
+              <a:off x="2910378" y="1643492"/>
+              <a:ext cx="1432188" cy="1066682"/>
+            </a:xfrm>
+            <a:prstGeom prst="rect">
+              <a:avLst/>
+            </a:prstGeom>
+          </p:spPr>
+        </p:pic>
+        <p:pic>
+          <p:nvPicPr>
+            <p:cNvPr id="26" name="図 25">
+              <a:extLst>
+                <a:ext uri="{FF2B5EF4-FFF2-40B4-BE49-F238E27FC236}">
+                  <a16:creationId xmlns:a16="http://schemas.microsoft.com/office/drawing/2014/main" id="{90DB0EDF-E2C1-9B4A-8EE8-7BA009180584}"/>
+                </a:ext>
+              </a:extLst>
+            </p:cNvPr>
+            <p:cNvPicPr>
+              <a:picLocks noChangeAspect="1"/>
+            </p:cNvPicPr>
+            <p:nvPr/>
+          </p:nvPicPr>
+          <p:blipFill>
+            <a:blip r:embed="rId11"/>
+            <a:stretch>
+              <a:fillRect/>
+            </a:stretch>
+          </p:blipFill>
+          <p:spPr>
+            <a:xfrm>
+              <a:off x="2869733" y="1699750"/>
+              <a:ext cx="1432188" cy="1066682"/>
+            </a:xfrm>
+            <a:prstGeom prst="rect">
+              <a:avLst/>
+            </a:prstGeom>
+          </p:spPr>
+        </p:pic>
+        <p:pic>
+          <p:nvPicPr>
+            <p:cNvPr id="27" name="図 26">
+              <a:extLst>
+                <a:ext uri="{FF2B5EF4-FFF2-40B4-BE49-F238E27FC236}">
+                  <a16:creationId xmlns:a16="http://schemas.microsoft.com/office/drawing/2014/main" id="{8AE384A2-F80A-4549-85B6-16CAF223C928}"/>
+                </a:ext>
+              </a:extLst>
+            </p:cNvPr>
+            <p:cNvPicPr>
+              <a:picLocks noChangeAspect="1"/>
+            </p:cNvPicPr>
+            <p:nvPr/>
+          </p:nvPicPr>
+          <p:blipFill>
+            <a:blip r:embed="rId12"/>
+            <a:stretch>
+              <a:fillRect/>
+            </a:stretch>
+          </p:blipFill>
+          <p:spPr>
+            <a:xfrm>
+              <a:off x="2832304" y="1745703"/>
+              <a:ext cx="1432188" cy="1066682"/>
+            </a:xfrm>
+            <a:prstGeom prst="rect">
+              <a:avLst/>
+            </a:prstGeom>
+          </p:spPr>
+        </p:pic>
+      </p:grpSp>
+      <p:grpSp>
+        <p:nvGrpSpPr>
+          <p:cNvPr id="28" name="グループ化 27">
+            <a:extLst>
+              <a:ext uri="{FF2B5EF4-FFF2-40B4-BE49-F238E27FC236}">
+                <a16:creationId xmlns:a16="http://schemas.microsoft.com/office/drawing/2014/main" id="{2F90669F-5851-EA45-887F-CA2525DBFCBB}"/>
+              </a:ext>
+            </a:extLst>
+          </p:cNvPr>
+          <p:cNvGrpSpPr/>
+          <p:nvPr/>
+        </p:nvGrpSpPr>
+        <p:grpSpPr>
+          <a:xfrm>
+            <a:off x="2035035" y="3652920"/>
+            <a:ext cx="622777" cy="487994"/>
+            <a:chOff x="4563125" y="1561763"/>
+            <a:chExt cx="1598543" cy="1252582"/>
+          </a:xfrm>
+        </p:grpSpPr>
+        <p:pic>
+          <p:nvPicPr>
+            <p:cNvPr id="29" name="図 28">
+              <a:extLst>
+                <a:ext uri="{FF2B5EF4-FFF2-40B4-BE49-F238E27FC236}">
+                  <a16:creationId xmlns:a16="http://schemas.microsoft.com/office/drawing/2014/main" id="{DD612EBF-881F-2849-8C22-38BCA3DE8EEA}"/>
+                </a:ext>
+              </a:extLst>
+            </p:cNvPr>
+            <p:cNvPicPr>
+              <a:picLocks noChangeAspect="1"/>
+            </p:cNvPicPr>
+            <p:nvPr/>
+          </p:nvPicPr>
+          <p:blipFill>
+            <a:blip r:embed="rId13"/>
+            <a:stretch>
+              <a:fillRect/>
+            </a:stretch>
+          </p:blipFill>
+          <p:spPr>
+            <a:xfrm>
+              <a:off x="4709242" y="1561763"/>
+              <a:ext cx="1452426" cy="1081755"/>
+            </a:xfrm>
+            <a:prstGeom prst="rect">
+              <a:avLst/>
+            </a:prstGeom>
+          </p:spPr>
+        </p:pic>
+        <p:pic>
+          <p:nvPicPr>
+            <p:cNvPr id="30" name="図 29">
+              <a:extLst>
+                <a:ext uri="{FF2B5EF4-FFF2-40B4-BE49-F238E27FC236}">
+                  <a16:creationId xmlns:a16="http://schemas.microsoft.com/office/drawing/2014/main" id="{1BD43FB6-E4A9-EA49-9B7E-C35BAA1CC9E8}"/>
+                </a:ext>
+              </a:extLst>
+            </p:cNvPr>
+            <p:cNvPicPr>
+              <a:picLocks noChangeAspect="1"/>
+            </p:cNvPicPr>
+            <p:nvPr/>
+          </p:nvPicPr>
+          <p:blipFill>
+            <a:blip r:embed="rId14"/>
+            <a:stretch>
+              <a:fillRect/>
+            </a:stretch>
+          </p:blipFill>
+          <p:spPr>
+            <a:xfrm>
+              <a:off x="4674705" y="1598696"/>
+              <a:ext cx="1452426" cy="1081755"/>
+            </a:xfrm>
+            <a:prstGeom prst="rect">
+              <a:avLst/>
+            </a:prstGeom>
+          </p:spPr>
+        </p:pic>
+        <p:pic>
+          <p:nvPicPr>
+            <p:cNvPr id="31" name="図 30">
+              <a:extLst>
+                <a:ext uri="{FF2B5EF4-FFF2-40B4-BE49-F238E27FC236}">
+                  <a16:creationId xmlns:a16="http://schemas.microsoft.com/office/drawing/2014/main" id="{8570DA65-5747-FB4B-A149-DA7008843304}"/>
+                </a:ext>
+              </a:extLst>
+            </p:cNvPr>
+            <p:cNvPicPr>
+              <a:picLocks noChangeAspect="1"/>
+            </p:cNvPicPr>
+            <p:nvPr/>
+          </p:nvPicPr>
+          <p:blipFill>
+            <a:blip r:embed="rId15"/>
+            <a:stretch>
+              <a:fillRect/>
+            </a:stretch>
+          </p:blipFill>
+          <p:spPr>
+            <a:xfrm>
+              <a:off x="4641002" y="1642036"/>
+              <a:ext cx="1452426" cy="1081755"/>
+            </a:xfrm>
+            <a:prstGeom prst="rect">
+              <a:avLst/>
+            </a:prstGeom>
+          </p:spPr>
+        </p:pic>
+        <p:pic>
+          <p:nvPicPr>
+            <p:cNvPr id="32" name="図 31">
+              <a:extLst>
+                <a:ext uri="{FF2B5EF4-FFF2-40B4-BE49-F238E27FC236}">
+                  <a16:creationId xmlns:a16="http://schemas.microsoft.com/office/drawing/2014/main" id="{E30D3388-CFC1-8247-BBCD-D7D3867D0A75}"/>
+                </a:ext>
+              </a:extLst>
+            </p:cNvPr>
+            <p:cNvPicPr>
+              <a:picLocks noChangeAspect="1"/>
+            </p:cNvPicPr>
+            <p:nvPr/>
+          </p:nvPicPr>
+          <p:blipFill>
+            <a:blip r:embed="rId16"/>
+            <a:stretch>
+              <a:fillRect/>
+            </a:stretch>
+          </p:blipFill>
+          <p:spPr>
+            <a:xfrm>
+              <a:off x="4601675" y="1686989"/>
+              <a:ext cx="1452426" cy="1081755"/>
+            </a:xfrm>
+            <a:prstGeom prst="rect">
+              <a:avLst/>
+            </a:prstGeom>
+          </p:spPr>
+        </p:pic>
+        <p:pic>
+          <p:nvPicPr>
+            <p:cNvPr id="33" name="図 32">
+              <a:extLst>
+                <a:ext uri="{FF2B5EF4-FFF2-40B4-BE49-F238E27FC236}">
+                  <a16:creationId xmlns:a16="http://schemas.microsoft.com/office/drawing/2014/main" id="{2BA2B25D-1FB4-5647-9E68-9CF4AD336BFB}"/>
+                </a:ext>
+              </a:extLst>
+            </p:cNvPr>
+            <p:cNvPicPr>
+              <a:picLocks noChangeAspect="1"/>
+            </p:cNvPicPr>
+            <p:nvPr/>
+          </p:nvPicPr>
+          <p:blipFill>
+            <a:blip r:embed="rId17"/>
+            <a:stretch>
+              <a:fillRect/>
+            </a:stretch>
+          </p:blipFill>
+          <p:spPr>
+            <a:xfrm>
+              <a:off x="4563125" y="1732590"/>
+              <a:ext cx="1452426" cy="1081755"/>
+            </a:xfrm>
+            <a:prstGeom prst="rect">
+              <a:avLst/>
+            </a:prstGeom>
+          </p:spPr>
+        </p:pic>
+      </p:grpSp>
+      <p:grpSp>
+        <p:nvGrpSpPr>
+          <p:cNvPr id="34" name="グループ化 33">
+            <a:extLst>
+              <a:ext uri="{FF2B5EF4-FFF2-40B4-BE49-F238E27FC236}">
+                <a16:creationId xmlns:a16="http://schemas.microsoft.com/office/drawing/2014/main" id="{DF0842BD-CE95-5F4B-87E4-529BF34959AB}"/>
+              </a:ext>
+            </a:extLst>
+          </p:cNvPr>
+          <p:cNvGrpSpPr/>
+          <p:nvPr/>
+        </p:nvGrpSpPr>
+        <p:grpSpPr>
+          <a:xfrm>
+            <a:off x="2711225" y="3649142"/>
+            <a:ext cx="630374" cy="491066"/>
+            <a:chOff x="6377613" y="1545175"/>
+            <a:chExt cx="1618043" cy="1260468"/>
+          </a:xfrm>
+        </p:grpSpPr>
+        <p:pic>
+          <p:nvPicPr>
+            <p:cNvPr id="35" name="図 34">
+              <a:extLst>
+                <a:ext uri="{FF2B5EF4-FFF2-40B4-BE49-F238E27FC236}">
+                  <a16:creationId xmlns:a16="http://schemas.microsoft.com/office/drawing/2014/main" id="{295EC566-F954-BE4F-8729-F2A5CA5D626B}"/>
+                </a:ext>
+              </a:extLst>
+            </p:cNvPr>
+            <p:cNvPicPr>
+              <a:picLocks noChangeAspect="1"/>
+            </p:cNvPicPr>
+            <p:nvPr/>
+          </p:nvPicPr>
+          <p:blipFill>
+            <a:blip r:embed="rId18"/>
+            <a:stretch>
+              <a:fillRect/>
+            </a:stretch>
+          </p:blipFill>
+          <p:spPr>
+            <a:xfrm>
+              <a:off x="6543230" y="1545175"/>
+              <a:ext cx="1452426" cy="1081755"/>
+            </a:xfrm>
+            <a:prstGeom prst="rect">
+              <a:avLst/>
+            </a:prstGeom>
+          </p:spPr>
+        </p:pic>
+        <p:pic>
+          <p:nvPicPr>
+            <p:cNvPr id="36" name="図 35">
+              <a:extLst>
+                <a:ext uri="{FF2B5EF4-FFF2-40B4-BE49-F238E27FC236}">
+                  <a16:creationId xmlns:a16="http://schemas.microsoft.com/office/drawing/2014/main" id="{83D69D19-6F5B-6C4C-8E61-246E95B91BA4}"/>
+                </a:ext>
+              </a:extLst>
+            </p:cNvPr>
+            <p:cNvPicPr>
+              <a:picLocks noChangeAspect="1"/>
+            </p:cNvPicPr>
+            <p:nvPr/>
+          </p:nvPicPr>
+          <p:blipFill>
+            <a:blip r:embed="rId19"/>
+            <a:stretch>
+              <a:fillRect/>
+            </a:stretch>
+          </p:blipFill>
+          <p:spPr>
+            <a:xfrm>
+              <a:off x="6499920" y="1585694"/>
+              <a:ext cx="1452426" cy="1081755"/>
+            </a:xfrm>
+            <a:prstGeom prst="rect">
+              <a:avLst/>
+            </a:prstGeom>
+          </p:spPr>
+        </p:pic>
+        <p:pic>
+          <p:nvPicPr>
+            <p:cNvPr id="37" name="図 36">
+              <a:extLst>
+                <a:ext uri="{FF2B5EF4-FFF2-40B4-BE49-F238E27FC236}">
+                  <a16:creationId xmlns:a16="http://schemas.microsoft.com/office/drawing/2014/main" id="{F9854BE4-D5FC-3E40-9B55-41C09ED08ACE}"/>
+                </a:ext>
+              </a:extLst>
+            </p:cNvPr>
+            <p:cNvPicPr>
+              <a:picLocks noChangeAspect="1"/>
+            </p:cNvPicPr>
+            <p:nvPr/>
+          </p:nvPicPr>
+          <p:blipFill>
+            <a:blip r:embed="rId20"/>
+            <a:stretch>
+              <a:fillRect/>
+            </a:stretch>
+          </p:blipFill>
+          <p:spPr>
+            <a:xfrm>
+              <a:off x="6454557" y="1632611"/>
+              <a:ext cx="1452426" cy="1081755"/>
+            </a:xfrm>
+            <a:prstGeom prst="rect">
+              <a:avLst/>
+            </a:prstGeom>
+          </p:spPr>
+        </p:pic>
+        <p:pic>
+          <p:nvPicPr>
+            <p:cNvPr id="38" name="図 37">
+              <a:extLst>
+                <a:ext uri="{FF2B5EF4-FFF2-40B4-BE49-F238E27FC236}">
+                  <a16:creationId xmlns:a16="http://schemas.microsoft.com/office/drawing/2014/main" id="{03CD8960-54FD-764D-8CDA-812865DF4D7D}"/>
+                </a:ext>
+              </a:extLst>
+            </p:cNvPr>
+            <p:cNvPicPr>
+              <a:picLocks noChangeAspect="1"/>
+            </p:cNvPicPr>
+            <p:nvPr/>
+          </p:nvPicPr>
+          <p:blipFill>
+            <a:blip r:embed="rId21"/>
+            <a:stretch>
+              <a:fillRect/>
+            </a:stretch>
+          </p:blipFill>
+          <p:spPr>
+            <a:xfrm>
+              <a:off x="6418441" y="1680488"/>
+              <a:ext cx="1452426" cy="1081755"/>
+            </a:xfrm>
+            <a:prstGeom prst="rect">
+              <a:avLst/>
+            </a:prstGeom>
+          </p:spPr>
+        </p:pic>
+        <p:pic>
+          <p:nvPicPr>
+            <p:cNvPr id="39" name="図 38">
+              <a:extLst>
+                <a:ext uri="{FF2B5EF4-FFF2-40B4-BE49-F238E27FC236}">
+                  <a16:creationId xmlns:a16="http://schemas.microsoft.com/office/drawing/2014/main" id="{0E192658-1697-B749-8F9C-35CE9A115F72}"/>
+                </a:ext>
+              </a:extLst>
+            </p:cNvPr>
+            <p:cNvPicPr>
+              <a:picLocks noChangeAspect="1"/>
+            </p:cNvPicPr>
+            <p:nvPr/>
+          </p:nvPicPr>
+          <p:blipFill>
+            <a:blip r:embed="rId22"/>
+            <a:stretch>
+              <a:fillRect/>
+            </a:stretch>
+          </p:blipFill>
+          <p:spPr>
+            <a:xfrm>
+              <a:off x="6377613" y="1723888"/>
+              <a:ext cx="1452426" cy="1081755"/>
+            </a:xfrm>
+            <a:prstGeom prst="rect">
+              <a:avLst/>
+            </a:prstGeom>
+          </p:spPr>
+        </p:pic>
+      </p:grpSp>
+      <p:grpSp>
+        <p:nvGrpSpPr>
+          <p:cNvPr id="40" name="グループ化 39">
+            <a:extLst>
+              <a:ext uri="{FF2B5EF4-FFF2-40B4-BE49-F238E27FC236}">
+                <a16:creationId xmlns:a16="http://schemas.microsoft.com/office/drawing/2014/main" id="{AE869630-AAF0-8A45-B75B-81549B48DF0C}"/>
+              </a:ext>
+            </a:extLst>
+          </p:cNvPr>
+          <p:cNvGrpSpPr/>
+          <p:nvPr/>
+        </p:nvGrpSpPr>
+        <p:grpSpPr>
+          <a:xfrm>
+            <a:off x="3390883" y="3641058"/>
+            <a:ext cx="626489" cy="480671"/>
+            <a:chOff x="8199872" y="1565485"/>
+            <a:chExt cx="1608073" cy="1233787"/>
+          </a:xfrm>
+        </p:grpSpPr>
+        <p:pic>
+          <p:nvPicPr>
+            <p:cNvPr id="41" name="図 40">
+              <a:extLst>
+                <a:ext uri="{FF2B5EF4-FFF2-40B4-BE49-F238E27FC236}">
+                  <a16:creationId xmlns:a16="http://schemas.microsoft.com/office/drawing/2014/main" id="{E9B4AD25-FD16-1D41-B0B9-A6BAFF1E98FC}"/>
+                </a:ext>
+              </a:extLst>
+            </p:cNvPr>
+            <p:cNvPicPr>
+              <a:picLocks noChangeAspect="1"/>
+            </p:cNvPicPr>
+            <p:nvPr/>
+          </p:nvPicPr>
+          <p:blipFill>
+            <a:blip r:embed="rId23"/>
+            <a:stretch>
+              <a:fillRect/>
+            </a:stretch>
+          </p:blipFill>
+          <p:spPr>
+            <a:xfrm>
+              <a:off x="8353797" y="1565485"/>
+              <a:ext cx="1454148" cy="1083037"/>
+            </a:xfrm>
+            <a:prstGeom prst="rect">
+              <a:avLst/>
+            </a:prstGeom>
+          </p:spPr>
+        </p:pic>
+        <p:pic>
+          <p:nvPicPr>
+            <p:cNvPr id="42" name="図 41">
+              <a:extLst>
+                <a:ext uri="{FF2B5EF4-FFF2-40B4-BE49-F238E27FC236}">
+                  <a16:creationId xmlns:a16="http://schemas.microsoft.com/office/drawing/2014/main" id="{592BAD04-1768-E740-900C-8F11AE018E3E}"/>
+                </a:ext>
+              </a:extLst>
+            </p:cNvPr>
+            <p:cNvPicPr>
+              <a:picLocks noChangeAspect="1"/>
+            </p:cNvPicPr>
+            <p:nvPr/>
+          </p:nvPicPr>
+          <p:blipFill>
+            <a:blip r:embed="rId24"/>
+            <a:stretch>
+              <a:fillRect/>
+            </a:stretch>
+          </p:blipFill>
+          <p:spPr>
+            <a:xfrm>
+              <a:off x="8313882" y="1605901"/>
+              <a:ext cx="1454148" cy="1083037"/>
+            </a:xfrm>
+            <a:prstGeom prst="rect">
+              <a:avLst/>
+            </a:prstGeom>
+          </p:spPr>
+        </p:pic>
+        <p:pic>
+          <p:nvPicPr>
+            <p:cNvPr id="43" name="図 42">
+              <a:extLst>
+                <a:ext uri="{FF2B5EF4-FFF2-40B4-BE49-F238E27FC236}">
+                  <a16:creationId xmlns:a16="http://schemas.microsoft.com/office/drawing/2014/main" id="{A905390C-1403-2E45-8D46-8950CF3FB34B}"/>
+                </a:ext>
+              </a:extLst>
+            </p:cNvPr>
+            <p:cNvPicPr>
+              <a:picLocks noChangeAspect="1"/>
+            </p:cNvPicPr>
+            <p:nvPr/>
+          </p:nvPicPr>
+          <p:blipFill>
+            <a:blip r:embed="rId25"/>
+            <a:stretch>
+              <a:fillRect/>
+            </a:stretch>
+          </p:blipFill>
+          <p:spPr>
+            <a:xfrm>
+              <a:off x="8277500" y="1635975"/>
+              <a:ext cx="1454148" cy="1083037"/>
+            </a:xfrm>
+            <a:prstGeom prst="rect">
+              <a:avLst/>
+            </a:prstGeom>
+          </p:spPr>
+        </p:pic>
+        <p:pic>
+          <p:nvPicPr>
+            <p:cNvPr id="44" name="図 43">
+              <a:extLst>
+                <a:ext uri="{FF2B5EF4-FFF2-40B4-BE49-F238E27FC236}">
+                  <a16:creationId xmlns:a16="http://schemas.microsoft.com/office/drawing/2014/main" id="{068BF954-505D-494D-A95F-E088DF1460A5}"/>
+                </a:ext>
+              </a:extLst>
+            </p:cNvPr>
+            <p:cNvPicPr>
+              <a:picLocks noChangeAspect="1"/>
+            </p:cNvPicPr>
+            <p:nvPr/>
+          </p:nvPicPr>
+          <p:blipFill>
+            <a:blip r:embed="rId26"/>
+            <a:stretch>
+              <a:fillRect/>
+            </a:stretch>
+          </p:blipFill>
+          <p:spPr>
+            <a:xfrm>
+              <a:off x="8240522" y="1673035"/>
+              <a:ext cx="1454148" cy="1083037"/>
+            </a:xfrm>
+            <a:prstGeom prst="rect">
+              <a:avLst/>
+            </a:prstGeom>
+          </p:spPr>
+        </p:pic>
+        <p:pic>
+          <p:nvPicPr>
+            <p:cNvPr id="45" name="図 44">
+              <a:extLst>
+                <a:ext uri="{FF2B5EF4-FFF2-40B4-BE49-F238E27FC236}">
+                  <a16:creationId xmlns:a16="http://schemas.microsoft.com/office/drawing/2014/main" id="{3821CF4F-5DCF-424A-B43E-382E3C55C719}"/>
+                </a:ext>
+              </a:extLst>
+            </p:cNvPr>
+            <p:cNvPicPr>
+              <a:picLocks noChangeAspect="1"/>
+            </p:cNvPicPr>
+            <p:nvPr/>
+          </p:nvPicPr>
+          <p:blipFill>
+            <a:blip r:embed="rId27"/>
+            <a:stretch>
+              <a:fillRect/>
+            </a:stretch>
+          </p:blipFill>
+          <p:spPr>
+            <a:xfrm>
+              <a:off x="8199872" y="1716235"/>
+              <a:ext cx="1454148" cy="1083037"/>
+            </a:xfrm>
+            <a:prstGeom prst="rect">
+              <a:avLst/>
+            </a:prstGeom>
+          </p:spPr>
+        </p:pic>
+      </p:grpSp>
+      <p:sp>
+        <p:nvSpPr>
+          <p:cNvPr id="46" name="テキスト ボックス 45">
+            <a:extLst>
+              <a:ext uri="{FF2B5EF4-FFF2-40B4-BE49-F238E27FC236}">
+                <a16:creationId xmlns:a16="http://schemas.microsoft.com/office/drawing/2014/main" id="{163DAB1C-CFA8-C146-AA74-8F10D448E661}"/>
+              </a:ext>
+            </a:extLst>
+          </p:cNvPr>
+          <p:cNvSpPr txBox="1"/>
+          <p:nvPr/>
+        </p:nvSpPr>
+        <p:spPr>
+          <a:xfrm>
+            <a:off x="1999051" y="4136525"/>
+            <a:ext cx="969390" cy="261610"/>
+          </a:xfrm>
+          <a:prstGeom prst="rect">
+            <a:avLst/>
+          </a:prstGeom>
+          <a:noFill/>
+        </p:spPr>
+        <p:txBody>
+          <a:bodyPr wrap="square" rtlCol="0">
+            <a:spAutoFit/>
+          </a:bodyPr>
+          <a:lstStyle/>
+          <a:p>
+            <a:pPr algn="ctr"/>
+            <a:r>
+              <a:rPr lang="ja-JP" altLang="en-US" sz="1100">
+                <a:latin typeface="DIN Alternate" panose="020B0500000000000000"/>
+                <a:ea typeface="Hiragino Kaku Gothic Pro W3" panose="020B0300000000000000"/>
+              </a:rPr>
+              <a:t>学習データ</a:t>
+            </a:r>
+            <a:endParaRPr lang="en-US" altLang="ja-JP" sz="1100" dirty="0">
+              <a:latin typeface="DIN Alternate" panose="020B0500000000000000"/>
+              <a:ea typeface="Hiragino Kaku Gothic Pro W3" panose="020B0300000000000000"/>
+            </a:endParaRPr>
+          </a:p>
+        </p:txBody>
+      </p:sp>
+      <p:sp>
+        <p:nvSpPr>
+          <p:cNvPr id="47" name="テキスト ボックス 46">
+            <a:extLst>
+              <a:ext uri="{FF2B5EF4-FFF2-40B4-BE49-F238E27FC236}">
+                <a16:creationId xmlns:a16="http://schemas.microsoft.com/office/drawing/2014/main" id="{0208B88F-6381-754D-AC35-D1A5F6061AF0}"/>
+              </a:ext>
+            </a:extLst>
+          </p:cNvPr>
+          <p:cNvSpPr txBox="1"/>
+          <p:nvPr/>
+        </p:nvSpPr>
+        <p:spPr>
+          <a:xfrm>
+            <a:off x="3965643" y="3732337"/>
+            <a:ext cx="655949" cy="276999"/>
+          </a:xfrm>
+          <a:prstGeom prst="rect">
+            <a:avLst/>
+          </a:prstGeom>
+          <a:noFill/>
+        </p:spPr>
+        <p:txBody>
+          <a:bodyPr wrap="none" rtlCol="0">
+            <a:spAutoFit/>
+          </a:bodyPr>
+          <a:lstStyle/>
+          <a:p>
+            <a:r>
+              <a:rPr kumimoji="1" lang="ja-JP" altLang="en-US" sz="1200" b="1">
+                <a:latin typeface="Hiragino Kaku Gothic Pro W3" panose="020B0300000000000000" pitchFamily="34" charset="-128"/>
+                <a:ea typeface="Hiragino Kaku Gothic Pro W3" panose="020B0300000000000000" pitchFamily="34" charset="-128"/>
+              </a:rPr>
+              <a:t>・・・</a:t>
+            </a:r>
+          </a:p>
+        </p:txBody>
+      </p:sp>
+      <p:pic>
+        <p:nvPicPr>
+          <p:cNvPr id="48" name="図 47">
+            <a:extLst>
+              <a:ext uri="{FF2B5EF4-FFF2-40B4-BE49-F238E27FC236}">
+                <a16:creationId xmlns:a16="http://schemas.microsoft.com/office/drawing/2014/main" id="{02C27719-F9B0-D640-A30A-BF83D147F587}"/>
+              </a:ext>
+            </a:extLst>
+          </p:cNvPr>
+          <p:cNvPicPr>
+            <a:picLocks noChangeAspect="1"/>
+          </p:cNvPicPr>
+          <p:nvPr/>
+        </p:nvPicPr>
+        <p:blipFill>
+          <a:blip r:embed="rId28"/>
+          <a:stretch>
+            <a:fillRect/>
+          </a:stretch>
+        </p:blipFill>
+        <p:spPr>
+          <a:xfrm>
+            <a:off x="700856" y="4851491"/>
+            <a:ext cx="537694" cy="400470"/>
+          </a:xfrm>
+          <a:prstGeom prst="rect">
+            <a:avLst/>
+          </a:prstGeom>
+        </p:spPr>
+      </p:pic>
+      <p:pic>
+        <p:nvPicPr>
+          <p:cNvPr id="49" name="図 48">
+            <a:extLst>
+              <a:ext uri="{FF2B5EF4-FFF2-40B4-BE49-F238E27FC236}">
+                <a16:creationId xmlns:a16="http://schemas.microsoft.com/office/drawing/2014/main" id="{142A16E7-9FE1-B04A-8D67-41484C7AB1A9}"/>
+              </a:ext>
+            </a:extLst>
+          </p:cNvPr>
+          <p:cNvPicPr>
+            <a:picLocks noChangeAspect="1"/>
+          </p:cNvPicPr>
+          <p:nvPr/>
+        </p:nvPicPr>
+        <p:blipFill>
+          <a:blip r:embed="rId29"/>
+          <a:stretch>
+            <a:fillRect/>
+          </a:stretch>
+        </p:blipFill>
+        <p:spPr>
+          <a:xfrm>
+            <a:off x="700856" y="4426285"/>
+            <a:ext cx="530202" cy="394890"/>
+          </a:xfrm>
+          <a:prstGeom prst="rect">
+            <a:avLst/>
+          </a:prstGeom>
+        </p:spPr>
+      </p:pic>
+      <p:pic>
+        <p:nvPicPr>
+          <p:cNvPr id="50" name="図 49">
+            <a:extLst>
+              <a:ext uri="{FF2B5EF4-FFF2-40B4-BE49-F238E27FC236}">
+                <a16:creationId xmlns:a16="http://schemas.microsoft.com/office/drawing/2014/main" id="{C009D9DB-55B4-6642-B265-875878EE99E6}"/>
+              </a:ext>
+            </a:extLst>
+          </p:cNvPr>
+          <p:cNvPicPr>
+            <a:picLocks noChangeAspect="1"/>
+          </p:cNvPicPr>
+          <p:nvPr/>
+        </p:nvPicPr>
+        <p:blipFill>
+          <a:blip r:embed="rId30"/>
+          <a:stretch>
+            <a:fillRect/>
+          </a:stretch>
+        </p:blipFill>
+        <p:spPr>
+          <a:xfrm>
+            <a:off x="1364332" y="4850595"/>
+            <a:ext cx="537694" cy="400470"/>
+          </a:xfrm>
+          <a:prstGeom prst="rect">
+            <a:avLst/>
+          </a:prstGeom>
+        </p:spPr>
+      </p:pic>
+      <p:pic>
+        <p:nvPicPr>
+          <p:cNvPr id="51" name="図 50">
+            <a:extLst>
+              <a:ext uri="{FF2B5EF4-FFF2-40B4-BE49-F238E27FC236}">
+                <a16:creationId xmlns:a16="http://schemas.microsoft.com/office/drawing/2014/main" id="{CA7C529A-CB09-CF41-8D2D-883129F8C308}"/>
+              </a:ext>
+            </a:extLst>
+          </p:cNvPr>
+          <p:cNvPicPr>
+            <a:picLocks noChangeAspect="1"/>
+          </p:cNvPicPr>
+          <p:nvPr/>
+        </p:nvPicPr>
+        <p:blipFill>
+          <a:blip r:embed="rId31"/>
+          <a:stretch>
+            <a:fillRect/>
+          </a:stretch>
+        </p:blipFill>
+        <p:spPr>
+          <a:xfrm>
+            <a:off x="1364332" y="4425329"/>
+            <a:ext cx="537694" cy="400470"/>
+          </a:xfrm>
+          <a:prstGeom prst="rect">
+            <a:avLst/>
+          </a:prstGeom>
+        </p:spPr>
+      </p:pic>
+      <p:pic>
+        <p:nvPicPr>
+          <p:cNvPr id="52" name="図 51">
+            <a:extLst>
+              <a:ext uri="{FF2B5EF4-FFF2-40B4-BE49-F238E27FC236}">
+                <a16:creationId xmlns:a16="http://schemas.microsoft.com/office/drawing/2014/main" id="{A65EF1E9-A78C-AE4F-BA43-08D9440B9E5B}"/>
+              </a:ext>
+            </a:extLst>
+          </p:cNvPr>
+          <p:cNvPicPr>
+            <a:picLocks noChangeAspect="1"/>
+          </p:cNvPicPr>
+          <p:nvPr/>
+        </p:nvPicPr>
+        <p:blipFill>
+          <a:blip r:embed="rId32"/>
+          <a:stretch>
+            <a:fillRect/>
+          </a:stretch>
+        </p:blipFill>
+        <p:spPr>
+          <a:xfrm>
+            <a:off x="2049113" y="4850595"/>
+            <a:ext cx="537694" cy="400470"/>
+          </a:xfrm>
+          <a:prstGeom prst="rect">
+            <a:avLst/>
+          </a:prstGeom>
+        </p:spPr>
+      </p:pic>
+      <p:pic>
+        <p:nvPicPr>
+          <p:cNvPr id="53" name="図 52">
+            <a:extLst>
+              <a:ext uri="{FF2B5EF4-FFF2-40B4-BE49-F238E27FC236}">
+                <a16:creationId xmlns:a16="http://schemas.microsoft.com/office/drawing/2014/main" id="{F0AB4782-A241-F946-BE86-931ACA6F35E1}"/>
+              </a:ext>
+            </a:extLst>
+          </p:cNvPr>
+          <p:cNvPicPr>
+            <a:picLocks noChangeAspect="1"/>
+          </p:cNvPicPr>
+          <p:nvPr/>
+        </p:nvPicPr>
+        <p:blipFill>
+          <a:blip r:embed="rId33"/>
+          <a:stretch>
+            <a:fillRect/>
+          </a:stretch>
+        </p:blipFill>
+        <p:spPr>
+          <a:xfrm>
+            <a:off x="2053689" y="4409736"/>
+            <a:ext cx="537694" cy="400470"/>
+          </a:xfrm>
+          <a:prstGeom prst="rect">
+            <a:avLst/>
+          </a:prstGeom>
+        </p:spPr>
+      </p:pic>
+      <p:pic>
+        <p:nvPicPr>
+          <p:cNvPr id="54" name="図 53">
+            <a:extLst>
+              <a:ext uri="{FF2B5EF4-FFF2-40B4-BE49-F238E27FC236}">
+                <a16:creationId xmlns:a16="http://schemas.microsoft.com/office/drawing/2014/main" id="{A27105EC-3F01-2446-BEE2-7DF55CEF249C}"/>
+              </a:ext>
+            </a:extLst>
+          </p:cNvPr>
+          <p:cNvPicPr>
+            <a:picLocks noChangeAspect="1"/>
+          </p:cNvPicPr>
+          <p:nvPr/>
+        </p:nvPicPr>
+        <p:blipFill>
+          <a:blip r:embed="rId34"/>
+          <a:stretch>
+            <a:fillRect/>
+          </a:stretch>
+        </p:blipFill>
+        <p:spPr>
+          <a:xfrm>
+            <a:off x="2739382" y="4847595"/>
+            <a:ext cx="537694" cy="400470"/>
+          </a:xfrm>
+          <a:prstGeom prst="rect">
+            <a:avLst/>
+          </a:prstGeom>
+        </p:spPr>
+      </p:pic>
+      <p:pic>
+        <p:nvPicPr>
+          <p:cNvPr id="55" name="図 54">
+            <a:extLst>
+              <a:ext uri="{FF2B5EF4-FFF2-40B4-BE49-F238E27FC236}">
+                <a16:creationId xmlns:a16="http://schemas.microsoft.com/office/drawing/2014/main" id="{8D573EB6-D376-6B4F-8BD3-5FFCFD8ADC1A}"/>
+              </a:ext>
+            </a:extLst>
+          </p:cNvPr>
+          <p:cNvPicPr>
+            <a:picLocks noChangeAspect="1"/>
+          </p:cNvPicPr>
+          <p:nvPr/>
+        </p:nvPicPr>
+        <p:blipFill>
+          <a:blip r:embed="rId35"/>
+          <a:stretch>
+            <a:fillRect/>
+          </a:stretch>
+        </p:blipFill>
+        <p:spPr>
+          <a:xfrm>
+            <a:off x="2739382" y="4425329"/>
+            <a:ext cx="537694" cy="400470"/>
+          </a:xfrm>
+          <a:prstGeom prst="rect">
+            <a:avLst/>
+          </a:prstGeom>
+        </p:spPr>
+      </p:pic>
+      <p:pic>
+        <p:nvPicPr>
+          <p:cNvPr id="56" name="図 55">
+            <a:extLst>
+              <a:ext uri="{FF2B5EF4-FFF2-40B4-BE49-F238E27FC236}">
+                <a16:creationId xmlns:a16="http://schemas.microsoft.com/office/drawing/2014/main" id="{B5133A35-DD58-6E4C-ACCA-889864CDAEEC}"/>
+              </a:ext>
+            </a:extLst>
+          </p:cNvPr>
+          <p:cNvPicPr>
+            <a:picLocks noChangeAspect="1"/>
+          </p:cNvPicPr>
+          <p:nvPr/>
+        </p:nvPicPr>
+        <p:blipFill>
+          <a:blip r:embed="rId36"/>
+          <a:stretch>
+            <a:fillRect/>
+          </a:stretch>
+        </p:blipFill>
+        <p:spPr>
+          <a:xfrm>
+            <a:off x="3388841" y="4847067"/>
+            <a:ext cx="537694" cy="400470"/>
+          </a:xfrm>
+          <a:prstGeom prst="rect">
+            <a:avLst/>
+          </a:prstGeom>
+        </p:spPr>
+      </p:pic>
+      <p:pic>
+        <p:nvPicPr>
+          <p:cNvPr id="57" name="図 56">
+            <a:extLst>
+              <a:ext uri="{FF2B5EF4-FFF2-40B4-BE49-F238E27FC236}">
+                <a16:creationId xmlns:a16="http://schemas.microsoft.com/office/drawing/2014/main" id="{505BF38E-636A-3244-BB36-4DFF9E7236AB}"/>
+              </a:ext>
+            </a:extLst>
+          </p:cNvPr>
+          <p:cNvPicPr>
+            <a:picLocks noChangeAspect="1"/>
+          </p:cNvPicPr>
+          <p:nvPr/>
+        </p:nvPicPr>
+        <p:blipFill>
+          <a:blip r:embed="rId37"/>
+          <a:stretch>
+            <a:fillRect/>
+          </a:stretch>
+        </p:blipFill>
+        <p:spPr>
+          <a:xfrm>
+            <a:off x="3388841" y="4422627"/>
+            <a:ext cx="537694" cy="400470"/>
+          </a:xfrm>
+          <a:prstGeom prst="rect">
+            <a:avLst/>
+          </a:prstGeom>
+        </p:spPr>
+      </p:pic>
+      <p:sp>
+        <p:nvSpPr>
+          <p:cNvPr id="59" name="テキスト ボックス 58">
+            <a:extLst>
+              <a:ext uri="{FF2B5EF4-FFF2-40B4-BE49-F238E27FC236}">
+                <a16:creationId xmlns:a16="http://schemas.microsoft.com/office/drawing/2014/main" id="{E1A51E43-DFC1-8648-A99B-22FC6410F77C}"/>
+              </a:ext>
+            </a:extLst>
+          </p:cNvPr>
+          <p:cNvSpPr txBox="1"/>
+          <p:nvPr/>
+        </p:nvSpPr>
+        <p:spPr>
+          <a:xfrm>
+            <a:off x="1276997" y="5246385"/>
+            <a:ext cx="2411316" cy="276999"/>
+          </a:xfrm>
+          <a:prstGeom prst="rect">
+            <a:avLst/>
+          </a:prstGeom>
+          <a:noFill/>
+        </p:spPr>
+        <p:txBody>
+          <a:bodyPr wrap="square" rtlCol="0">
+            <a:spAutoFit/>
+          </a:bodyPr>
+          <a:lstStyle/>
+          <a:p>
+            <a:pPr algn="ctr"/>
+            <a:r>
+              <a:rPr lang="ja-JP" altLang="en-US" sz="1200">
+                <a:latin typeface="DIN Alternate" panose="020B0500000000000000"/>
+                <a:ea typeface="Hiragino Kaku Gothic Pro W3" panose="020B0300000000000000"/>
+              </a:rPr>
+              <a:t>検証用データ</a:t>
+            </a:r>
+            <a:r>
+              <a:rPr lang="en-US" altLang="ja-JP" sz="1200" dirty="0">
+                <a:latin typeface="DIN Alternate" panose="020B0500000000000000"/>
+                <a:ea typeface="Hiragino Kaku Gothic Pro W3" panose="020B0300000000000000"/>
+              </a:rPr>
+              <a:t>(</a:t>
+            </a:r>
+            <a:r>
+              <a:rPr lang="ja-JP" altLang="en-US" sz="1100">
+                <a:latin typeface="DIN Alternate" panose="020B0500000000000000"/>
+                <a:ea typeface="Hiragino Kaku Gothic Pro W3" panose="020B0300000000000000"/>
+              </a:rPr>
+              <a:t>クエリデータ</a:t>
+            </a:r>
+            <a:r>
+              <a:rPr lang="en-US" altLang="ja-JP" sz="1200" dirty="0">
+                <a:latin typeface="DIN Alternate" panose="020B0500000000000000"/>
+                <a:ea typeface="Hiragino Kaku Gothic Pro W3" panose="020B0300000000000000"/>
+              </a:rPr>
+              <a:t>)</a:t>
+            </a:r>
+          </a:p>
+        </p:txBody>
+      </p:sp>
+      <p:sp>
+        <p:nvSpPr>
+          <p:cNvPr id="60" name="テキスト ボックス 59">
+            <a:extLst>
+              <a:ext uri="{FF2B5EF4-FFF2-40B4-BE49-F238E27FC236}">
+                <a16:creationId xmlns:a16="http://schemas.microsoft.com/office/drawing/2014/main" id="{404F70D0-5E02-9540-B692-0D39DE92F49D}"/>
+              </a:ext>
+            </a:extLst>
+          </p:cNvPr>
+          <p:cNvSpPr txBox="1"/>
+          <p:nvPr/>
+        </p:nvSpPr>
+        <p:spPr>
+          <a:xfrm>
+            <a:off x="3994979" y="4708567"/>
+            <a:ext cx="655949" cy="276999"/>
+          </a:xfrm>
+          <a:prstGeom prst="rect">
+            <a:avLst/>
+          </a:prstGeom>
+          <a:noFill/>
+        </p:spPr>
+        <p:txBody>
+          <a:bodyPr wrap="none" rtlCol="0">
+            <a:spAutoFit/>
+          </a:bodyPr>
+          <a:lstStyle/>
+          <a:p>
+            <a:r>
+              <a:rPr kumimoji="1" lang="ja-JP" altLang="en-US" sz="1200" b="1">
+                <a:latin typeface="Hiragino Kaku Gothic Pro W3" panose="020B0300000000000000" pitchFamily="34" charset="-128"/>
+                <a:ea typeface="Hiragino Kaku Gothic Pro W3" panose="020B0300000000000000" pitchFamily="34" charset="-128"/>
+              </a:rPr>
+              <a:t>・・・</a:t>
+            </a:r>
+          </a:p>
+        </p:txBody>
+      </p:sp>
+      <p:sp>
+        <p:nvSpPr>
+          <p:cNvPr id="62" name="テキスト ボックス 61">
+            <a:extLst>
+              <a:ext uri="{FF2B5EF4-FFF2-40B4-BE49-F238E27FC236}">
+                <a16:creationId xmlns:a16="http://schemas.microsoft.com/office/drawing/2014/main" id="{6A884DCA-1088-694E-89D5-0FD33C79DC9F}"/>
+              </a:ext>
+            </a:extLst>
+          </p:cNvPr>
+          <p:cNvSpPr txBox="1"/>
+          <p:nvPr/>
+        </p:nvSpPr>
+        <p:spPr>
+          <a:xfrm>
+            <a:off x="515123" y="5512616"/>
+            <a:ext cx="1828800" cy="338554"/>
+          </a:xfrm>
+          <a:prstGeom prst="rect">
+            <a:avLst/>
+          </a:prstGeom>
+          <a:noFill/>
+        </p:spPr>
+        <p:txBody>
+          <a:bodyPr wrap="square" rtlCol="0">
+            <a:spAutoFit/>
+          </a:bodyPr>
+          <a:lstStyle/>
+          <a:p>
+            <a:r>
+              <a:rPr kumimoji="1" lang="ja-JP" altLang="en-US" sz="1600"/>
+              <a:t>前処理</a:t>
+            </a:r>
+          </a:p>
+        </p:txBody>
+      </p:sp>
+      <p:sp>
+        <p:nvSpPr>
+          <p:cNvPr id="63" name="テキスト ボックス 62">
+            <a:extLst>
+              <a:ext uri="{FF2B5EF4-FFF2-40B4-BE49-F238E27FC236}">
+                <a16:creationId xmlns:a16="http://schemas.microsoft.com/office/drawing/2014/main" id="{880CCBF3-EFCD-AB45-BFAA-FCE534A8FB55}"/>
+              </a:ext>
+            </a:extLst>
+          </p:cNvPr>
+          <p:cNvSpPr txBox="1"/>
+          <p:nvPr/>
+        </p:nvSpPr>
+        <p:spPr>
+          <a:xfrm>
+            <a:off x="460971" y="5812429"/>
+            <a:ext cx="4148668" cy="769441"/>
+          </a:xfrm>
+          <a:prstGeom prst="rect">
+            <a:avLst/>
+          </a:prstGeom>
+          <a:noFill/>
+        </p:spPr>
+        <p:txBody>
+          <a:bodyPr wrap="square" rtlCol="0">
+            <a:spAutoFit/>
+          </a:bodyPr>
+          <a:lstStyle/>
+          <a:p>
+            <a:r>
+              <a:rPr lang="ja-JP" altLang="en-US" sz="1100"/>
+              <a:t>前処理は、顔のトリミングと画像の正規化のみ行った。顔のトリミングは</a:t>
+            </a:r>
+            <a:r>
+              <a:rPr lang="en-US" altLang="ja-JP" sz="1100" dirty="0"/>
+              <a:t>OpenCV</a:t>
+            </a:r>
+            <a:r>
+              <a:rPr lang="ja-JP" altLang="en-US" sz="1100"/>
+              <a:t>と</a:t>
+            </a:r>
+            <a:r>
+              <a:rPr lang="en-US" altLang="ja-JP" sz="1100" dirty="0" err="1"/>
+              <a:t>Dlib</a:t>
+            </a:r>
+            <a:r>
+              <a:rPr lang="ja-JP" altLang="en-US" sz="1100"/>
+              <a:t>を用いて行い、画像の正規化は、</a:t>
+            </a:r>
+            <a:r>
+              <a:rPr lang="en-US" altLang="ja-JP" sz="1100" dirty="0"/>
+              <a:t>OpenCV</a:t>
+            </a:r>
+            <a:r>
+              <a:rPr lang="ja-JP" altLang="en-US" sz="1100"/>
+              <a:t>で画像のサイズを同一にし、画素値のヒストグラムを平坦化した。</a:t>
+            </a:r>
+            <a:endParaRPr lang="en-US" altLang="ja-JP" sz="600" dirty="0"/>
+          </a:p>
+        </p:txBody>
+      </p:sp>
+      <p:pic>
+        <p:nvPicPr>
+          <p:cNvPr id="64" name="図 63">
+            <a:extLst>
+              <a:ext uri="{FF2B5EF4-FFF2-40B4-BE49-F238E27FC236}">
+                <a16:creationId xmlns:a16="http://schemas.microsoft.com/office/drawing/2014/main" id="{CEB6362E-1545-5B4E-A5AD-186887B9A449}"/>
+              </a:ext>
+            </a:extLst>
+          </p:cNvPr>
+          <p:cNvPicPr>
+            <a:picLocks noChangeAspect="1"/>
+          </p:cNvPicPr>
+          <p:nvPr/>
+        </p:nvPicPr>
+        <p:blipFill>
+          <a:blip r:embed="rId38"/>
+          <a:stretch>
+            <a:fillRect/>
+          </a:stretch>
+        </p:blipFill>
+        <p:spPr>
+          <a:xfrm>
+            <a:off x="725199" y="6631828"/>
+            <a:ext cx="713912" cy="688441"/>
+          </a:xfrm>
+          <a:prstGeom prst="rect">
+            <a:avLst/>
+          </a:prstGeom>
+        </p:spPr>
+      </p:pic>
+      <p:pic>
+        <p:nvPicPr>
+          <p:cNvPr id="67" name="図 66">
+            <a:extLst>
+              <a:ext uri="{FF2B5EF4-FFF2-40B4-BE49-F238E27FC236}">
+                <a16:creationId xmlns:a16="http://schemas.microsoft.com/office/drawing/2014/main" id="{739FC833-9DF3-3A42-A7B5-E182F22F1951}"/>
+              </a:ext>
+            </a:extLst>
+          </p:cNvPr>
+          <p:cNvPicPr>
+            <a:picLocks noChangeAspect="1"/>
+          </p:cNvPicPr>
+          <p:nvPr/>
+        </p:nvPicPr>
+        <p:blipFill>
+          <a:blip r:embed="rId39"/>
+          <a:stretch>
+            <a:fillRect/>
+          </a:stretch>
+        </p:blipFill>
+        <p:spPr>
+          <a:xfrm>
+            <a:off x="3320348" y="6802951"/>
+            <a:ext cx="1134928" cy="506935"/>
+          </a:xfrm>
+          <a:prstGeom prst="rect">
+            <a:avLst/>
+          </a:prstGeom>
+        </p:spPr>
+      </p:pic>
+      <p:sp>
+        <p:nvSpPr>
+          <p:cNvPr id="68" name="テキスト ボックス 67">
+            <a:extLst>
+              <a:ext uri="{FF2B5EF4-FFF2-40B4-BE49-F238E27FC236}">
+                <a16:creationId xmlns:a16="http://schemas.microsoft.com/office/drawing/2014/main" id="{AD6E23A8-3097-E949-8F20-66A6B05C3765}"/>
+              </a:ext>
+            </a:extLst>
+          </p:cNvPr>
+          <p:cNvSpPr txBox="1"/>
+          <p:nvPr/>
+        </p:nvSpPr>
+        <p:spPr>
+          <a:xfrm>
+            <a:off x="1973411" y="7344757"/>
+            <a:ext cx="969390" cy="261610"/>
+          </a:xfrm>
+          <a:prstGeom prst="rect">
+            <a:avLst/>
+          </a:prstGeom>
+          <a:noFill/>
+        </p:spPr>
+        <p:txBody>
+          <a:bodyPr wrap="square" rtlCol="0">
+            <a:spAutoFit/>
+          </a:bodyPr>
+          <a:lstStyle/>
+          <a:p>
+            <a:pPr algn="ctr"/>
+            <a:r>
+              <a:rPr lang="ja-JP" altLang="en-US" sz="1100">
+                <a:latin typeface="DIN Alternate" panose="020B0500000000000000"/>
+                <a:ea typeface="Hiragino Kaku Gothic Pro W3" panose="020B0300000000000000"/>
+              </a:rPr>
+              <a:t>前処理</a:t>
+            </a:r>
+            <a:endParaRPr lang="en-US" altLang="ja-JP" sz="1100" dirty="0">
+              <a:latin typeface="DIN Alternate" panose="020B0500000000000000"/>
+              <a:ea typeface="Hiragino Kaku Gothic Pro W3" panose="020B0300000000000000"/>
+            </a:endParaRPr>
+          </a:p>
+        </p:txBody>
+      </p:sp>
+      <p:sp>
+        <p:nvSpPr>
+          <p:cNvPr id="69" name="テキスト ボックス 68">
+            <a:extLst>
+              <a:ext uri="{FF2B5EF4-FFF2-40B4-BE49-F238E27FC236}">
+                <a16:creationId xmlns:a16="http://schemas.microsoft.com/office/drawing/2014/main" id="{C80A7482-E16A-384D-92A3-4822C8D3FB1A}"/>
+              </a:ext>
+            </a:extLst>
+          </p:cNvPr>
+          <p:cNvSpPr txBox="1"/>
+          <p:nvPr/>
+        </p:nvSpPr>
+        <p:spPr>
+          <a:xfrm>
+            <a:off x="515123" y="7599725"/>
+            <a:ext cx="1828800" cy="338554"/>
+          </a:xfrm>
+          <a:prstGeom prst="rect">
+            <a:avLst/>
+          </a:prstGeom>
+          <a:noFill/>
+        </p:spPr>
+        <p:txBody>
+          <a:bodyPr wrap="square" rtlCol="0">
+            <a:spAutoFit/>
+          </a:bodyPr>
+          <a:lstStyle/>
+          <a:p>
+            <a:r>
+              <a:rPr kumimoji="1" lang="ja-JP" altLang="en-US" sz="1600"/>
+              <a:t>特徴抽出</a:t>
+            </a:r>
+          </a:p>
+        </p:txBody>
+      </p:sp>
+      <p:sp>
+        <p:nvSpPr>
+          <p:cNvPr id="70" name="テキスト ボックス 69">
+            <a:extLst>
+              <a:ext uri="{FF2B5EF4-FFF2-40B4-BE49-F238E27FC236}">
+                <a16:creationId xmlns:a16="http://schemas.microsoft.com/office/drawing/2014/main" id="{18B92177-BA5E-EC46-A366-0E8AF73B46FF}"/>
+              </a:ext>
+            </a:extLst>
+          </p:cNvPr>
+          <p:cNvSpPr txBox="1"/>
+          <p:nvPr/>
+        </p:nvSpPr>
+        <p:spPr>
+          <a:xfrm>
+            <a:off x="515186" y="7904066"/>
+            <a:ext cx="4148668" cy="600164"/>
+          </a:xfrm>
+          <a:prstGeom prst="rect">
+            <a:avLst/>
+          </a:prstGeom>
+          <a:noFill/>
+        </p:spPr>
+        <p:txBody>
+          <a:bodyPr wrap="square" rtlCol="0">
+            <a:spAutoFit/>
+          </a:bodyPr>
+          <a:lstStyle/>
+          <a:p>
+            <a:r>
+              <a:rPr lang="ja-JP" altLang="en-US" sz="1100"/>
+              <a:t>まず、</a:t>
+            </a:r>
+            <a:r>
+              <a:rPr lang="en-US" altLang="ja-JP" sz="1100" dirty="0" err="1"/>
+              <a:t>Dlib</a:t>
+            </a:r>
+            <a:r>
+              <a:rPr lang="ja-JP" altLang="en-US" sz="1100"/>
+              <a:t>を使った部位情報から顔のパーツの相対距離や大きさを特徴量とした。次に画像に対して</a:t>
+            </a:r>
+            <a:r>
+              <a:rPr lang="en-US" altLang="ja-JP" sz="1100" dirty="0"/>
+              <a:t>2</a:t>
+            </a:r>
+            <a:r>
+              <a:rPr lang="ja-JP" altLang="en-US" sz="1100"/>
+              <a:t>次元離散コサイン変換を適用し、低周波成分を特徴量とした。</a:t>
+            </a:r>
+            <a:endParaRPr lang="en-US" altLang="ja-JP" sz="1100" dirty="0"/>
+          </a:p>
+        </p:txBody>
+      </p:sp>
+      <p:pic>
+        <p:nvPicPr>
+          <p:cNvPr id="71" name="図 70">
+            <a:extLst>
+              <a:ext uri="{FF2B5EF4-FFF2-40B4-BE49-F238E27FC236}">
+                <a16:creationId xmlns:a16="http://schemas.microsoft.com/office/drawing/2014/main" id="{8EE1AE71-47EA-F340-9F11-29DBAC8160CC}"/>
+              </a:ext>
+            </a:extLst>
+          </p:cNvPr>
+          <p:cNvPicPr>
+            <a:picLocks noChangeAspect="1"/>
+          </p:cNvPicPr>
+          <p:nvPr/>
+        </p:nvPicPr>
+        <p:blipFill>
+          <a:blip r:embed="rId40"/>
+          <a:stretch>
+            <a:fillRect/>
+          </a:stretch>
+        </p:blipFill>
+        <p:spPr>
+          <a:xfrm>
+            <a:off x="2473534" y="6638200"/>
+            <a:ext cx="708008" cy="713933"/>
+          </a:xfrm>
+          <a:prstGeom prst="rect">
+            <a:avLst/>
+          </a:prstGeom>
+        </p:spPr>
+      </p:pic>
+      <p:pic>
+        <p:nvPicPr>
+          <p:cNvPr id="79" name="図 78">
+            <a:extLst>
+              <a:ext uri="{FF2B5EF4-FFF2-40B4-BE49-F238E27FC236}">
+                <a16:creationId xmlns:a16="http://schemas.microsoft.com/office/drawing/2014/main" id="{54C0707E-948F-D54F-92C7-4DC931763C23}"/>
+              </a:ext>
+            </a:extLst>
+          </p:cNvPr>
+          <p:cNvPicPr>
+            <a:picLocks noChangeAspect="1"/>
+          </p:cNvPicPr>
+          <p:nvPr/>
+        </p:nvPicPr>
+        <p:blipFill>
+          <a:blip r:embed="rId41"/>
+          <a:stretch>
+            <a:fillRect/>
+          </a:stretch>
+        </p:blipFill>
+        <p:spPr>
+          <a:xfrm>
+            <a:off x="1558085" y="6635104"/>
+            <a:ext cx="757274" cy="725721"/>
+          </a:xfrm>
+          <a:prstGeom prst="rect">
+            <a:avLst/>
+          </a:prstGeom>
+        </p:spPr>
+      </p:pic>
+      <p:pic>
+        <p:nvPicPr>
+          <p:cNvPr id="80" name="図 79">
+            <a:extLst>
+              <a:ext uri="{FF2B5EF4-FFF2-40B4-BE49-F238E27FC236}">
+                <a16:creationId xmlns:a16="http://schemas.microsoft.com/office/drawing/2014/main" id="{16E62C19-BF12-6245-959A-7031B4A18D32}"/>
+              </a:ext>
+            </a:extLst>
+          </p:cNvPr>
+          <p:cNvPicPr>
+            <a:picLocks noChangeAspect="1"/>
+          </p:cNvPicPr>
+          <p:nvPr/>
+        </p:nvPicPr>
+        <p:blipFill>
+          <a:blip r:embed="rId42"/>
+          <a:stretch>
+            <a:fillRect/>
+          </a:stretch>
+        </p:blipFill>
+        <p:spPr>
+          <a:xfrm>
+            <a:off x="730023" y="8486742"/>
+            <a:ext cx="1329065" cy="989877"/>
+          </a:xfrm>
+          <a:prstGeom prst="rect">
+            <a:avLst/>
+          </a:prstGeom>
+        </p:spPr>
+      </p:pic>
+      <p:pic>
+        <p:nvPicPr>
+          <p:cNvPr id="81" name="図 80">
+            <a:extLst>
+              <a:ext uri="{FF2B5EF4-FFF2-40B4-BE49-F238E27FC236}">
+                <a16:creationId xmlns:a16="http://schemas.microsoft.com/office/drawing/2014/main" id="{FDA25323-3F9A-9341-85CB-F80C860FA6A9}"/>
+              </a:ext>
+            </a:extLst>
+          </p:cNvPr>
+          <p:cNvPicPr>
+            <a:picLocks noChangeAspect="1"/>
+          </p:cNvPicPr>
+          <p:nvPr/>
+        </p:nvPicPr>
+        <p:blipFill rotWithShape="1">
+          <a:blip r:embed="rId43"/>
+          <a:srcRect l="2633" t="30960" r="2723" b="10517"/>
+          <a:stretch/>
+        </p:blipFill>
+        <p:spPr>
+          <a:xfrm>
+            <a:off x="2196205" y="8483096"/>
+            <a:ext cx="2193554" cy="1017274"/>
+          </a:xfrm>
+          <a:prstGeom prst="rect">
+            <a:avLst/>
+          </a:prstGeom>
+        </p:spPr>
+      </p:pic>
+      <p:sp>
+        <p:nvSpPr>
+          <p:cNvPr id="82" name="テキスト ボックス 81">
+            <a:extLst>
+              <a:ext uri="{FF2B5EF4-FFF2-40B4-BE49-F238E27FC236}">
+                <a16:creationId xmlns:a16="http://schemas.microsoft.com/office/drawing/2014/main" id="{A50DE0AD-0137-E249-BAEB-F413CED46082}"/>
+              </a:ext>
+            </a:extLst>
+          </p:cNvPr>
+          <p:cNvSpPr txBox="1"/>
+          <p:nvPr/>
+        </p:nvSpPr>
+        <p:spPr>
+          <a:xfrm>
+            <a:off x="1821647" y="9479997"/>
+            <a:ext cx="969390" cy="261610"/>
+          </a:xfrm>
+          <a:prstGeom prst="rect">
+            <a:avLst/>
+          </a:prstGeom>
+          <a:noFill/>
+        </p:spPr>
+        <p:txBody>
+          <a:bodyPr wrap="square" rtlCol="0">
+            <a:spAutoFit/>
+          </a:bodyPr>
+          <a:lstStyle/>
+          <a:p>
+            <a:pPr algn="ctr"/>
+            <a:r>
+              <a:rPr lang="ja-JP" altLang="en-US" sz="1100">
+                <a:latin typeface="DIN Alternate" panose="020B0500000000000000"/>
+                <a:ea typeface="Hiragino Kaku Gothic Pro W3" panose="020B0300000000000000"/>
+              </a:rPr>
+              <a:t>特徴抽出</a:t>
+            </a:r>
+            <a:endParaRPr lang="en-US" altLang="ja-JP" sz="1100" dirty="0">
+              <a:latin typeface="DIN Alternate" panose="020B0500000000000000"/>
+              <a:ea typeface="Hiragino Kaku Gothic Pro W3" panose="020B0300000000000000"/>
+            </a:endParaRPr>
+          </a:p>
+        </p:txBody>
+      </p:sp>
+      <p:sp>
+        <p:nvSpPr>
+          <p:cNvPr id="72" name="テキスト ボックス 71">
+            <a:extLst>
+              <a:ext uri="{FF2B5EF4-FFF2-40B4-BE49-F238E27FC236}">
+                <a16:creationId xmlns:a16="http://schemas.microsoft.com/office/drawing/2014/main" id="{11E5C1A2-6BFF-B943-964C-D802046BC014}"/>
+              </a:ext>
+            </a:extLst>
+          </p:cNvPr>
+          <p:cNvSpPr txBox="1"/>
+          <p:nvPr/>
+        </p:nvSpPr>
+        <p:spPr>
+          <a:xfrm>
+            <a:off x="532630" y="9741607"/>
+            <a:ext cx="1828800" cy="369332"/>
+          </a:xfrm>
+          <a:prstGeom prst="rect">
+            <a:avLst/>
+          </a:prstGeom>
+          <a:noFill/>
+        </p:spPr>
+        <p:txBody>
+          <a:bodyPr wrap="square" rtlCol="0">
+            <a:spAutoFit/>
+          </a:bodyPr>
+          <a:lstStyle/>
+          <a:p>
+            <a:r>
+              <a:rPr kumimoji="1" lang="ja-JP" altLang="en-US"/>
+              <a:t>識別部</a:t>
+            </a:r>
+          </a:p>
+        </p:txBody>
+      </p:sp>
+      <p:sp>
+        <p:nvSpPr>
+          <p:cNvPr id="73" name="テキスト ボックス 72">
+            <a:extLst>
+              <a:ext uri="{FF2B5EF4-FFF2-40B4-BE49-F238E27FC236}">
+                <a16:creationId xmlns:a16="http://schemas.microsoft.com/office/drawing/2014/main" id="{5218798F-9A5B-1944-9A16-C28C8080FF3D}"/>
+              </a:ext>
+            </a:extLst>
+          </p:cNvPr>
+          <p:cNvSpPr txBox="1"/>
+          <p:nvPr/>
+        </p:nvSpPr>
+        <p:spPr>
+          <a:xfrm>
+            <a:off x="570022" y="10095122"/>
+            <a:ext cx="4148668" cy="954107"/>
+          </a:xfrm>
+          <a:prstGeom prst="rect">
+            <a:avLst/>
+          </a:prstGeom>
+          <a:noFill/>
+        </p:spPr>
+        <p:txBody>
+          <a:bodyPr wrap="square" rtlCol="0">
+            <a:spAutoFit/>
+          </a:bodyPr>
+          <a:lstStyle/>
+          <a:p>
+            <a:r>
+              <a:rPr lang="ja-JP" altLang="en-US" sz="1400"/>
+              <a:t>識別方法として、単純マッチング、</a:t>
+            </a:r>
+            <a:r>
+              <a:rPr lang="en-US" altLang="ja-JP" sz="1400" dirty="0"/>
+              <a:t>K</a:t>
+            </a:r>
+            <a:r>
+              <a:rPr lang="ja-JP" altLang="en-US" sz="1400"/>
+              <a:t>最近傍法、部分空間法、畳み込みニューラルネットワーク、</a:t>
+            </a:r>
+            <a:r>
+              <a:rPr lang="en-US" altLang="ja-JP" sz="1400" dirty="0" err="1"/>
+              <a:t>LightGBM</a:t>
+            </a:r>
+            <a:r>
+              <a:rPr lang="ja-JP" altLang="en-US" sz="1400"/>
+              <a:t>を使用した。</a:t>
+            </a:r>
+            <a:endParaRPr lang="en-US" altLang="ja-JP" sz="1400" dirty="0"/>
+          </a:p>
+          <a:p>
+            <a:pPr marL="285750" indent="-285750">
+              <a:buFont typeface="Arial" panose="020B0604020202020204" pitchFamily="34" charset="0"/>
+              <a:buChar char="•"/>
+            </a:pPr>
+            <a:endParaRPr lang="en-US" altLang="ja-JP" sz="1400" dirty="0"/>
+          </a:p>
+        </p:txBody>
+      </p:sp>
+      <p:sp>
+        <p:nvSpPr>
+          <p:cNvPr id="77" name="テキスト ボックス 76">
+            <a:extLst>
+              <a:ext uri="{FF2B5EF4-FFF2-40B4-BE49-F238E27FC236}">
+                <a16:creationId xmlns:a16="http://schemas.microsoft.com/office/drawing/2014/main" id="{66C78359-FDEE-AA4A-9BA7-08C0D3C50D3D}"/>
+              </a:ext>
+            </a:extLst>
+          </p:cNvPr>
+          <p:cNvSpPr txBox="1"/>
+          <p:nvPr/>
+        </p:nvSpPr>
+        <p:spPr>
+          <a:xfrm>
+            <a:off x="5307642" y="1220964"/>
+            <a:ext cx="1828800" cy="369332"/>
+          </a:xfrm>
+          <a:prstGeom prst="rect">
+            <a:avLst/>
+          </a:prstGeom>
+          <a:noFill/>
+        </p:spPr>
+        <p:txBody>
+          <a:bodyPr wrap="square" rtlCol="0">
+            <a:spAutoFit/>
+          </a:bodyPr>
+          <a:lstStyle/>
+          <a:p>
+            <a:r>
+              <a:rPr kumimoji="1" lang="ja-JP" altLang="en-US"/>
+              <a:t>実験結果</a:t>
+            </a:r>
+          </a:p>
+        </p:txBody>
+      </p:sp>
+      <p:sp>
+        <p:nvSpPr>
+          <p:cNvPr id="9" name="正方形/長方形 8">
+            <a:extLst>
+              <a:ext uri="{FF2B5EF4-FFF2-40B4-BE49-F238E27FC236}">
+                <a16:creationId xmlns:a16="http://schemas.microsoft.com/office/drawing/2014/main" id="{72DFB381-5340-C54F-820E-488588843773}"/>
+              </a:ext>
+            </a:extLst>
+          </p:cNvPr>
+          <p:cNvSpPr/>
+          <p:nvPr/>
+        </p:nvSpPr>
+        <p:spPr>
+          <a:xfrm>
+            <a:off x="403782" y="129813"/>
+            <a:ext cx="1257075" cy="707886"/>
+          </a:xfrm>
+          <a:prstGeom prst="rect">
+            <a:avLst/>
+          </a:prstGeom>
+        </p:spPr>
+        <p:txBody>
+          <a:bodyPr wrap="none">
+            <a:spAutoFit/>
+          </a:bodyPr>
+          <a:lstStyle/>
+          <a:p>
+            <a:r>
+              <a:rPr lang="en-US" altLang="ja-JP" sz="4000" dirty="0">
+                <a:solidFill>
+                  <a:srgbClr val="22BEFF"/>
+                </a:solidFill>
+                <a:latin typeface="DIN Alternate" panose="020B0500000000000000" pitchFamily="34" charset="0"/>
+                <a:ea typeface="Hiragino Kaku Gothic Pro W3" panose="020B0300000000000000" pitchFamily="34" charset="-128"/>
+              </a:rPr>
+              <a:t>B1</a:t>
+            </a:r>
+            <a:r>
+              <a:rPr lang="ja-JP" altLang="en-US" sz="4000">
+                <a:solidFill>
+                  <a:srgbClr val="22BEFF"/>
+                </a:solidFill>
+                <a:latin typeface="DIN Alternate" panose="020B0500000000000000" pitchFamily="34" charset="0"/>
+                <a:ea typeface="Hiragino Kaku Gothic Pro W3" panose="020B0300000000000000" pitchFamily="34" charset="-128"/>
+              </a:rPr>
+              <a:t>班</a:t>
+            </a:r>
+            <a:endParaRPr lang="ja-JP" altLang="en-US" sz="4000">
+              <a:solidFill>
+                <a:srgbClr val="22BEFF"/>
+              </a:solidFill>
+            </a:endParaRPr>
+          </a:p>
+        </p:txBody>
+      </p:sp>
+      <p:sp>
+        <p:nvSpPr>
+          <p:cNvPr id="10" name="正方形/長方形 9">
+            <a:extLst>
+              <a:ext uri="{FF2B5EF4-FFF2-40B4-BE49-F238E27FC236}">
+                <a16:creationId xmlns:a16="http://schemas.microsoft.com/office/drawing/2014/main" id="{2A305471-8A6D-2842-9EDB-8D58273A2798}"/>
+              </a:ext>
+            </a:extLst>
+          </p:cNvPr>
+          <p:cNvSpPr/>
+          <p:nvPr/>
+        </p:nvSpPr>
+        <p:spPr>
+          <a:xfrm>
+            <a:off x="1688734" y="2315564"/>
+            <a:ext cx="2852063" cy="215444"/>
+          </a:xfrm>
+          <a:prstGeom prst="rect">
+            <a:avLst/>
+          </a:prstGeom>
+        </p:spPr>
+        <p:txBody>
+          <a:bodyPr wrap="none">
+            <a:spAutoFit/>
+          </a:bodyPr>
+          <a:lstStyle/>
+          <a:p>
+            <a:pPr algn="r"/>
+            <a:r>
+              <a:rPr kumimoji="1" lang="en-US" altLang="ja-JP" sz="800" dirty="0">
+                <a:latin typeface="DIN Alternate" panose="020B0500000000000000" pitchFamily="34" charset="0"/>
+                <a:ea typeface="Hiragino Kaku Gothic Pro W3" panose="020B0300000000000000" pitchFamily="34" charset="-128"/>
+              </a:rPr>
+              <a:t>『</a:t>
+            </a:r>
+            <a:r>
+              <a:rPr kumimoji="1" lang="ja-JP" altLang="en-US" sz="800">
+                <a:latin typeface="DIN Alternate" panose="020B0500000000000000" pitchFamily="34" charset="0"/>
+                <a:ea typeface="Hiragino Kaku Gothic Pro W3" panose="020B0300000000000000" pitchFamily="34" charset="-128"/>
+              </a:rPr>
+              <a:t>情報プロジェクト</a:t>
+            </a:r>
+            <a:r>
+              <a:rPr lang="ja-JP" altLang="en-US" sz="800">
+                <a:latin typeface="DIN Alternate" panose="020B0500000000000000" pitchFamily="34" charset="0"/>
+                <a:ea typeface="Hiragino Kaku Gothic Pro W3" panose="020B0300000000000000" pitchFamily="34" charset="-128"/>
+              </a:rPr>
+              <a:t>：マルチメディア情報検索</a:t>
+            </a:r>
+            <a:r>
+              <a:rPr lang="en-US" altLang="ja-JP" sz="800" dirty="0">
+                <a:latin typeface="DIN Alternate" panose="020B0500000000000000" pitchFamily="34" charset="0"/>
+                <a:ea typeface="Hiragino Kaku Gothic Pro W3" panose="020B0300000000000000" pitchFamily="34" charset="-128"/>
+              </a:rPr>
+              <a:t>』</a:t>
+            </a:r>
+            <a:r>
+              <a:rPr lang="ja-JP" altLang="en-US" sz="800">
+                <a:latin typeface="DIN Alternate" panose="020B0500000000000000" pitchFamily="34" charset="0"/>
+                <a:ea typeface="Hiragino Kaku Gothic Pro W3" panose="020B0300000000000000" pitchFamily="34" charset="-128"/>
+              </a:rPr>
+              <a:t>配布資料</a:t>
+            </a:r>
+            <a:endParaRPr kumimoji="1" lang="ja-JP" altLang="en-US" sz="800">
+              <a:latin typeface="DIN Alternate" panose="020B0500000000000000" pitchFamily="34" charset="0"/>
+              <a:ea typeface="Hiragino Kaku Gothic Pro W3" panose="020B0300000000000000" pitchFamily="34" charset="-128"/>
+            </a:endParaRPr>
+          </a:p>
+        </p:txBody>
+      </p:sp>
+    </p:spTree>
+    <p:extLst>
+      <p:ext uri="{BB962C8B-B14F-4D97-AF65-F5344CB8AC3E}">
+        <p14:creationId xmlns:p14="http://schemas.microsoft.com/office/powerpoint/2010/main" val="16283024"/>
       </p:ext>
     </p:extLst>
   </p:cSld>
@@ -3612,4 +6994,299 @@
     </a:ext>
   </a:extLst>
 </a:theme>
+</file>
+
+<file path=ppt/theme/theme2.xml><?xml version="1.0" encoding="utf-8"?>
+<a:theme xmlns:a="http://schemas.openxmlformats.org/drawingml/2006/main" name="Office テーマ">
+  <a:themeElements>
+    <a:clrScheme name="Office">
+      <a:dk1>
+        <a:sysClr val="windowText" lastClr="000000"/>
+      </a:dk1>
+      <a:lt1>
+        <a:sysClr val="window" lastClr="FFFFFF"/>
+      </a:lt1>
+      <a:dk2>
+        <a:srgbClr val="44546A"/>
+      </a:dk2>
+      <a:lt2>
+        <a:srgbClr val="E7E6E6"/>
+      </a:lt2>
+      <a:accent1>
+        <a:srgbClr val="4472C4"/>
+      </a:accent1>
+      <a:accent2>
+        <a:srgbClr val="ED7D31"/>
+      </a:accent2>
+      <a:accent3>
+        <a:srgbClr val="A5A5A5"/>
+      </a:accent3>
+      <a:accent4>
+        <a:srgbClr val="FFC000"/>
+      </a:accent4>
+      <a:accent5>
+        <a:srgbClr val="5B9BD5"/>
+      </a:accent5>
+      <a:accent6>
+        <a:srgbClr val="70AD47"/>
+      </a:accent6>
+      <a:hlink>
+        <a:srgbClr val="0563C1"/>
+      </a:hlink>
+      <a:folHlink>
+        <a:srgbClr val="954F72"/>
+      </a:folHlink>
+    </a:clrScheme>
+    <a:fontScheme name="Office">
+      <a:majorFont>
+        <a:latin typeface="游ゴシック Light" panose="020F0302020204030204"/>
+        <a:ea typeface=""/>
+        <a:cs typeface=""/>
+        <a:font script="Jpan" typeface="游ゴシック Light"/>
+        <a:font script="Hang" typeface="맑은 고딕"/>
+        <a:font script="Hans" typeface="等线 Light"/>
+        <a:font script="Hant" typeface="新細明體"/>
+        <a:font script="Arab" typeface="Times New Roman"/>
+        <a:font script="Hebr" typeface="Times New Roman"/>
+        <a:font script="Thai" typeface="Angsana New"/>
+        <a:font script="Ethi" typeface="Nyala"/>
+        <a:font script="Beng" typeface="Vrinda"/>
+        <a:font script="Gujr" typeface="Shruti"/>
+        <a:font script="Khmr" typeface="MoolBoran"/>
+        <a:font script="Knda" typeface="Tunga"/>
+        <a:font script="Guru" typeface="Raavi"/>
+        <a:font script="Cans" typeface="Euphemia"/>
+        <a:font script="Cher" typeface="Plantagenet Cherokee"/>
+        <a:font script="Yiii" typeface="Microsoft Yi Baiti"/>
+        <a:font script="Tibt" typeface="Microsoft Himalaya"/>
+        <a:font script="Thaa" typeface="MV Boli"/>
+        <a:font script="Deva" typeface="Mangal"/>
+        <a:font script="Telu" typeface="Gautami"/>
+        <a:font script="Taml" typeface="Latha"/>
+        <a:font script="Syrc" typeface="Estrangelo Edessa"/>
+        <a:font script="Orya" typeface="Kalinga"/>
+        <a:font script="Mlym" typeface="Kartika"/>
+        <a:font script="Laoo" typeface="DokChampa"/>
+        <a:font script="Sinh" typeface="Iskoola Pota"/>
+        <a:font script="Mong" typeface="Mongolian Baiti"/>
+        <a:font script="Viet" typeface="Times New Roman"/>
+        <a:font script="Uigh" typeface="Microsoft Uighur"/>
+        <a:font script="Geor" typeface="Sylfaen"/>
+        <a:font script="Armn" typeface="Arial"/>
+        <a:font script="Bugi" typeface="Leelawadee UI"/>
+        <a:font script="Bopo" typeface="Microsoft JhengHei"/>
+        <a:font script="Java" typeface="Javanese Text"/>
+        <a:font script="Lisu" typeface="Segoe UI"/>
+        <a:font script="Mymr" typeface="Myanmar Text"/>
+        <a:font script="Nkoo" typeface="Ebrima"/>
+        <a:font script="Olck" typeface="Nirmala UI"/>
+        <a:font script="Osma" typeface="Ebrima"/>
+        <a:font script="Phag" typeface="Phagspa"/>
+        <a:font script="Syrn" typeface="Estrangelo Edessa"/>
+        <a:font script="Syrj" typeface="Estrangelo Edessa"/>
+        <a:font script="Syre" typeface="Estrangelo Edessa"/>
+        <a:font script="Sora" typeface="Nirmala UI"/>
+        <a:font script="Tale" typeface="Microsoft Tai Le"/>
+        <a:font script="Talu" typeface="Microsoft New Tai Lue"/>
+        <a:font script="Tfng" typeface="Ebrima"/>
+      </a:majorFont>
+      <a:minorFont>
+        <a:latin typeface="游ゴシック" panose="020F0502020204030204"/>
+        <a:ea typeface=""/>
+        <a:cs typeface=""/>
+        <a:font script="Jpan" typeface="游ゴシック"/>
+        <a:font script="Hang" typeface="맑은 고딕"/>
+        <a:font script="Hans" typeface="等线"/>
+        <a:font script="Hant" typeface="新細明體"/>
+        <a:font script="Arab" typeface="Arial"/>
+        <a:font script="Hebr" typeface="Arial"/>
+        <a:font script="Thai" typeface="Cordia New"/>
+        <a:font script="Ethi" typeface="Nyala"/>
+        <a:font script="Beng" typeface="Vrinda"/>
+        <a:font script="Gujr" typeface="Shruti"/>
+        <a:font script="Khmr" typeface="DaunPenh"/>
+        <a:font script="Knda" typeface="Tunga"/>
+        <a:font script="Guru" typeface="Raavi"/>
+        <a:font script="Cans" typeface="Euphemia"/>
+        <a:font script="Cher" typeface="Plantagenet Cherokee"/>
+        <a:font script="Yiii" typeface="Microsoft Yi Baiti"/>
+        <a:font script="Tibt" typeface="Microsoft Himalaya"/>
+        <a:font script="Thaa" typeface="MV Boli"/>
+        <a:font script="Deva" typeface="Mangal"/>
+        <a:font script="Telu" typeface="Gautami"/>
+        <a:font script="Taml" typeface="Latha"/>
+        <a:font script="Syrc" typeface="Estrangelo Edessa"/>
+        <a:font script="Orya" typeface="Kalinga"/>
+        <a:font script="Mlym" typeface="Kartika"/>
+        <a:font script="Laoo" typeface="DokChampa"/>
+        <a:font script="Sinh" typeface="Iskoola Pota"/>
+        <a:font script="Mong" typeface="Mongolian Baiti"/>
+        <a:font script="Viet" typeface="Arial"/>
+        <a:font script="Uigh" typeface="Microsoft Uighur"/>
+        <a:font script="Geor" typeface="Sylfaen"/>
+        <a:font script="Armn" typeface="Arial"/>
+        <a:font script="Bugi" typeface="Leelawadee UI"/>
+        <a:font script="Bopo" typeface="Microsoft JhengHei"/>
+        <a:font script="Java" typeface="Javanese Text"/>
+        <a:font script="Lisu" typeface="Segoe UI"/>
+        <a:font script="Mymr" typeface="Myanmar Text"/>
+        <a:font script="Nkoo" typeface="Ebrima"/>
+        <a:font script="Olck" typeface="Nirmala UI"/>
+        <a:font script="Osma" typeface="Ebrima"/>
+        <a:font script="Phag" typeface="Phagspa"/>
+        <a:font script="Syrn" typeface="Estrangelo Edessa"/>
+        <a:font script="Syrj" typeface="Estrangelo Edessa"/>
+        <a:font script="Syre" typeface="Estrangelo Edessa"/>
+        <a:font script="Sora" typeface="Nirmala UI"/>
+        <a:font script="Tale" typeface="Microsoft Tai Le"/>
+        <a:font script="Talu" typeface="Microsoft New Tai Lue"/>
+        <a:font script="Tfng" typeface="Ebrima"/>
+      </a:minorFont>
+    </a:fontScheme>
+    <a:fmtScheme name="Office">
+      <a:fillStyleLst>
+        <a:solidFill>
+          <a:schemeClr val="phClr"/>
+        </a:solidFill>
+        <a:gradFill rotWithShape="1">
+          <a:gsLst>
+            <a:gs pos="0">
+              <a:schemeClr val="phClr">
+                <a:lumMod val="110000"/>
+                <a:satMod val="105000"/>
+                <a:tint val="67000"/>
+              </a:schemeClr>
+            </a:gs>
+            <a:gs pos="50000">
+              <a:schemeClr val="phClr">
+                <a:lumMod val="105000"/>
+                <a:satMod val="103000"/>
+                <a:tint val="73000"/>
+              </a:schemeClr>
+            </a:gs>
+            <a:gs pos="100000">
+              <a:schemeClr val="phClr">
+                <a:lumMod val="105000"/>
+                <a:satMod val="109000"/>
+                <a:tint val="81000"/>
+              </a:schemeClr>
+            </a:gs>
+          </a:gsLst>
+          <a:lin ang="5400000" scaled="0"/>
+        </a:gradFill>
+        <a:gradFill rotWithShape="1">
+          <a:gsLst>
+            <a:gs pos="0">
+              <a:schemeClr val="phClr">
+                <a:satMod val="103000"/>
+                <a:lumMod val="102000"/>
+                <a:tint val="94000"/>
+              </a:schemeClr>
+            </a:gs>
+            <a:gs pos="50000">
+              <a:schemeClr val="phClr">
+                <a:satMod val="110000"/>
+                <a:lumMod val="100000"/>
+                <a:shade val="100000"/>
+              </a:schemeClr>
+            </a:gs>
+            <a:gs pos="100000">
+              <a:schemeClr val="phClr">
+                <a:lumMod val="99000"/>
+                <a:satMod val="120000"/>
+                <a:shade val="78000"/>
+              </a:schemeClr>
+            </a:gs>
+          </a:gsLst>
+          <a:lin ang="5400000" scaled="0"/>
+        </a:gradFill>
+      </a:fillStyleLst>
+      <a:lnStyleLst>
+        <a:ln w="6350" cap="flat" cmpd="sng" algn="ctr">
+          <a:solidFill>
+            <a:schemeClr val="phClr"/>
+          </a:solidFill>
+          <a:prstDash val="solid"/>
+          <a:miter lim="800000"/>
+        </a:ln>
+        <a:ln w="12700" cap="flat" cmpd="sng" algn="ctr">
+          <a:solidFill>
+            <a:schemeClr val="phClr"/>
+          </a:solidFill>
+          <a:prstDash val="solid"/>
+          <a:miter lim="800000"/>
+        </a:ln>
+        <a:ln w="19050" cap="flat" cmpd="sng" algn="ctr">
+          <a:solidFill>
+            <a:schemeClr val="phClr"/>
+          </a:solidFill>
+          <a:prstDash val="solid"/>
+          <a:miter lim="800000"/>
+        </a:ln>
+      </a:lnStyleLst>
+      <a:effectStyleLst>
+        <a:effectStyle>
+          <a:effectLst/>
+        </a:effectStyle>
+        <a:effectStyle>
+          <a:effectLst/>
+        </a:effectStyle>
+        <a:effectStyle>
+          <a:effectLst>
+            <a:outerShdw blurRad="57150" dist="19050" dir="5400000" algn="ctr" rotWithShape="0">
+              <a:srgbClr val="000000">
+                <a:alpha val="63000"/>
+              </a:srgbClr>
+            </a:outerShdw>
+          </a:effectLst>
+        </a:effectStyle>
+      </a:effectStyleLst>
+      <a:bgFillStyleLst>
+        <a:solidFill>
+          <a:schemeClr val="phClr"/>
+        </a:solidFill>
+        <a:solidFill>
+          <a:schemeClr val="phClr">
+            <a:tint val="95000"/>
+            <a:satMod val="170000"/>
+          </a:schemeClr>
+        </a:solidFill>
+        <a:gradFill rotWithShape="1">
+          <a:gsLst>
+            <a:gs pos="0">
+              <a:schemeClr val="phClr">
+                <a:tint val="93000"/>
+                <a:satMod val="150000"/>
+                <a:shade val="98000"/>
+                <a:lumMod val="102000"/>
+              </a:schemeClr>
+            </a:gs>
+            <a:gs pos="50000">
+              <a:schemeClr val="phClr">
+                <a:tint val="98000"/>
+                <a:satMod val="130000"/>
+                <a:shade val="90000"/>
+                <a:lumMod val="103000"/>
+              </a:schemeClr>
+            </a:gs>
+            <a:gs pos="100000">
+              <a:schemeClr val="phClr">
+                <a:shade val="63000"/>
+                <a:satMod val="120000"/>
+              </a:schemeClr>
+            </a:gs>
+          </a:gsLst>
+          <a:lin ang="5400000" scaled="0"/>
+        </a:gradFill>
+      </a:bgFillStyleLst>
+    </a:fmtScheme>
+  </a:themeElements>
+  <a:objectDefaults/>
+  <a:extraClrSchemeLst/>
+  <a:extLst>
+    <a:ext uri="{05A4C25C-085E-4340-85A3-A5531E510DB2}">
+      <thm15:themeFamily xmlns:thm15="http://schemas.microsoft.com/office/thememl/2012/main" name="Office Theme" id="{62F939B6-93AF-4DB8-9C6B-D6C7DFDC589F}" vid="{4A3C46E8-61CC-4603-A589-7422A47A8E4A}"/>
+    </a:ext>
+  </a:extLst>
+</a:theme>
 </file>
--- a/プロジェクト実験　ポスター発表/プロジェクト実験 ポスター.pptx
+++ b/プロジェクト実験　ポスター発表/プロジェクト実験 ポスター.pptx
@@ -5,11 +5,10 @@
     <p:sldMasterId id="2147483660" r:id="rId1"/>
   </p:sldMasterIdLst>
   <p:notesMasterIdLst>
-    <p:notesMasterId r:id="rId4"/>
+    <p:notesMasterId r:id="rId3"/>
   </p:notesMasterIdLst>
   <p:sldIdLst>
-    <p:sldId id="256" r:id="rId2"/>
-    <p:sldId id="257" r:id="rId3"/>
+    <p:sldId id="257" r:id="rId2"/>
   </p:sldIdLst>
   <p:sldSz cx="9601200" cy="12801600" type="A3"/>
   <p:notesSz cx="6858000" cy="9144000"/>
@@ -198,7 +197,7 @@
           <a:p>
             <a:fld id="{EFEFD45E-A60C-8A4E-865C-7686CB188C90}" type="datetimeFigureOut">
               <a:rPr kumimoji="1" lang="ja-JP" altLang="en-US" smtClean="0"/>
-              <a:t>2019/1/10</a:t>
+              <a:t>2019/1/20</a:t>
             </a:fld>
             <a:endParaRPr kumimoji="1" lang="ja-JP" altLang="en-US"/>
           </a:p>
@@ -537,7 +536,7 @@
           <a:p>
             <a:fld id="{75778030-F183-664F-8F81-7D7C3CB18015}" type="slidenum">
               <a:rPr kumimoji="1" lang="ja-JP" altLang="en-US" smtClean="0"/>
-              <a:t>2</a:t>
+              <a:t>1</a:t>
             </a:fld>
             <a:endParaRPr kumimoji="1" lang="ja-JP" altLang="en-US"/>
           </a:p>
@@ -687,7 +686,7 @@
           <a:p>
             <a:fld id="{AA1EF3A4-23FE-7442-A5C9-AF4903AC482A}" type="datetimeFigureOut">
               <a:rPr kumimoji="1" lang="ja-JP" altLang="en-US" smtClean="0"/>
-              <a:t>2019/1/10</a:t>
+              <a:t>2019/1/20</a:t>
             </a:fld>
             <a:endParaRPr kumimoji="1" lang="ja-JP" altLang="en-US"/>
           </a:p>
@@ -865,7 +864,7 @@
           <a:p>
             <a:fld id="{AA1EF3A4-23FE-7442-A5C9-AF4903AC482A}" type="datetimeFigureOut">
               <a:rPr kumimoji="1" lang="ja-JP" altLang="en-US" smtClean="0"/>
-              <a:t>2019/1/10</a:t>
+              <a:t>2019/1/20</a:t>
             </a:fld>
             <a:endParaRPr kumimoji="1" lang="ja-JP" altLang="en-US"/>
           </a:p>
@@ -1053,7 +1052,7 @@
           <a:p>
             <a:fld id="{AA1EF3A4-23FE-7442-A5C9-AF4903AC482A}" type="datetimeFigureOut">
               <a:rPr kumimoji="1" lang="ja-JP" altLang="en-US" smtClean="0"/>
-              <a:t>2019/1/10</a:t>
+              <a:t>2019/1/20</a:t>
             </a:fld>
             <a:endParaRPr kumimoji="1" lang="ja-JP" altLang="en-US"/>
           </a:p>
@@ -1231,7 +1230,7 @@
           <a:p>
             <a:fld id="{AA1EF3A4-23FE-7442-A5C9-AF4903AC482A}" type="datetimeFigureOut">
               <a:rPr kumimoji="1" lang="ja-JP" altLang="en-US" smtClean="0"/>
-              <a:t>2019/1/10</a:t>
+              <a:t>2019/1/20</a:t>
             </a:fld>
             <a:endParaRPr kumimoji="1" lang="ja-JP" altLang="en-US"/>
           </a:p>
@@ -1512,7 +1511,7 @@
           <a:p>
             <a:fld id="{AA1EF3A4-23FE-7442-A5C9-AF4903AC482A}" type="datetimeFigureOut">
               <a:rPr kumimoji="1" lang="ja-JP" altLang="en-US" smtClean="0"/>
-              <a:t>2019/1/10</a:t>
+              <a:t>2019/1/20</a:t>
             </a:fld>
             <a:endParaRPr kumimoji="1" lang="ja-JP" altLang="en-US"/>
           </a:p>
@@ -1760,7 +1759,7 @@
           <a:p>
             <a:fld id="{AA1EF3A4-23FE-7442-A5C9-AF4903AC482A}" type="datetimeFigureOut">
               <a:rPr kumimoji="1" lang="ja-JP" altLang="en-US" smtClean="0"/>
-              <a:t>2019/1/10</a:t>
+              <a:t>2019/1/20</a:t>
             </a:fld>
             <a:endParaRPr kumimoji="1" lang="ja-JP" altLang="en-US"/>
           </a:p>
@@ -2217,7 +2216,7 @@
           <a:p>
             <a:fld id="{AA1EF3A4-23FE-7442-A5C9-AF4903AC482A}" type="datetimeFigureOut">
               <a:rPr kumimoji="1" lang="ja-JP" altLang="en-US" smtClean="0"/>
-              <a:t>2019/1/10</a:t>
+              <a:t>2019/1/20</a:t>
             </a:fld>
             <a:endParaRPr kumimoji="1" lang="ja-JP" altLang="en-US"/>
           </a:p>
@@ -2335,7 +2334,7 @@
           <a:p>
             <a:fld id="{AA1EF3A4-23FE-7442-A5C9-AF4903AC482A}" type="datetimeFigureOut">
               <a:rPr kumimoji="1" lang="ja-JP" altLang="en-US" smtClean="0"/>
-              <a:t>2019/1/10</a:t>
+              <a:t>2019/1/20</a:t>
             </a:fld>
             <a:endParaRPr kumimoji="1" lang="ja-JP" altLang="en-US"/>
           </a:p>
@@ -2430,7 +2429,7 @@
           <a:p>
             <a:fld id="{AA1EF3A4-23FE-7442-A5C9-AF4903AC482A}" type="datetimeFigureOut">
               <a:rPr kumimoji="1" lang="ja-JP" altLang="en-US" smtClean="0"/>
-              <a:t>2019/1/10</a:t>
+              <a:t>2019/1/20</a:t>
             </a:fld>
             <a:endParaRPr kumimoji="1" lang="ja-JP" altLang="en-US"/>
           </a:p>
@@ -2752,7 +2751,7 @@
           <a:p>
             <a:fld id="{AA1EF3A4-23FE-7442-A5C9-AF4903AC482A}" type="datetimeFigureOut">
               <a:rPr kumimoji="1" lang="ja-JP" altLang="en-US" smtClean="0"/>
-              <a:t>2019/1/10</a:t>
+              <a:t>2019/1/20</a:t>
             </a:fld>
             <a:endParaRPr kumimoji="1" lang="ja-JP" altLang="en-US"/>
           </a:p>
@@ -3046,7 +3045,7 @@
           <a:p>
             <a:fld id="{AA1EF3A4-23FE-7442-A5C9-AF4903AC482A}" type="datetimeFigureOut">
               <a:rPr kumimoji="1" lang="ja-JP" altLang="en-US" smtClean="0"/>
-              <a:t>2019/1/10</a:t>
+              <a:t>2019/1/20</a:t>
             </a:fld>
             <a:endParaRPr kumimoji="1" lang="ja-JP" altLang="en-US"/>
           </a:p>
@@ -3267,7 +3266,7 @@
           <a:p>
             <a:fld id="{AA1EF3A4-23FE-7442-A5C9-AF4903AC482A}" type="datetimeFigureOut">
               <a:rPr kumimoji="1" lang="ja-JP" altLang="en-US" smtClean="0"/>
-              <a:t>2019/1/10</a:t>
+              <a:t>2019/1/20</a:t>
             </a:fld>
             <a:endParaRPr kumimoji="1" lang="ja-JP" altLang="en-US"/>
           </a:p>
@@ -3656,591 +3655,6 @@
 </file>
 
 <file path=ppt/slides/slide1.xml><?xml version="1.0" encoding="utf-8"?>
-<p:sld xmlns:a="http://schemas.openxmlformats.org/drawingml/2006/main" xmlns:r="http://schemas.openxmlformats.org/officeDocument/2006/relationships" xmlns:p="http://schemas.openxmlformats.org/presentationml/2006/main">
-  <p:cSld>
-    <p:spTree>
-      <p:nvGrpSpPr>
-        <p:cNvPr id="1" name=""/>
-        <p:cNvGrpSpPr/>
-        <p:nvPr/>
-      </p:nvGrpSpPr>
-      <p:grpSpPr>
-        <a:xfrm>
-          <a:off x="0" y="0"/>
-          <a:ext cx="0" cy="0"/>
-          <a:chOff x="0" y="0"/>
-          <a:chExt cx="0" cy="0"/>
-        </a:xfrm>
-      </p:grpSpPr>
-      <p:sp>
-        <p:nvSpPr>
-          <p:cNvPr id="5" name="タイトル 1">
-            <a:extLst>
-              <a:ext uri="{FF2B5EF4-FFF2-40B4-BE49-F238E27FC236}">
-                <a16:creationId xmlns:a16="http://schemas.microsoft.com/office/drawing/2014/main" id="{68355757-A142-1342-BBDC-8BAB8786E617}"/>
-              </a:ext>
-            </a:extLst>
-          </p:cNvPr>
-          <p:cNvSpPr>
-            <a:spLocks noGrp="1"/>
-          </p:cNvSpPr>
-          <p:nvPr>
-            <p:ph type="ctrTitle"/>
-          </p:nvPr>
-        </p:nvSpPr>
-        <p:spPr>
-          <a:xfrm>
-            <a:off x="67732" y="0"/>
-            <a:ext cx="6231467" cy="1095557"/>
-          </a:xfrm>
-        </p:spPr>
-        <p:txBody>
-          <a:bodyPr anchor="ctr">
-            <a:normAutofit/>
-          </a:bodyPr>
-          <a:lstStyle/>
-          <a:p>
-            <a:r>
-              <a:rPr kumimoji="1" lang="ja-JP" altLang="en-US" sz="3200" dirty="0">
-                <a:latin typeface="Hiragino Kaku Gothic Pro W3" panose="020B0300000000000000" pitchFamily="34" charset="-128"/>
-                <a:ea typeface="Hiragino Kaku Gothic Pro W3" panose="020B0300000000000000" pitchFamily="34" charset="-128"/>
-              </a:rPr>
-              <a:t>マルチメディア</a:t>
-            </a:r>
-            <a:r>
-              <a:rPr kumimoji="1" lang="ja-JP" altLang="en-US" sz="3200">
-                <a:latin typeface="Hiragino Kaku Gothic Pro W3" panose="020B0300000000000000" pitchFamily="34" charset="-128"/>
-                <a:ea typeface="Hiragino Kaku Gothic Pro W3" panose="020B0300000000000000" pitchFamily="34" charset="-128"/>
-              </a:rPr>
-              <a:t>情報検索　</a:t>
-            </a:r>
-            <a:r>
-              <a:rPr kumimoji="1" lang="en-US" altLang="ja-JP" sz="3200" dirty="0">
-                <a:latin typeface="DIN Alternate" panose="020B0500000000000000" pitchFamily="34" charset="0"/>
-                <a:ea typeface="Hiragino Kaku Gothic Pro W3" panose="020B0300000000000000" pitchFamily="34" charset="-128"/>
-              </a:rPr>
-              <a:t>B1</a:t>
-            </a:r>
-            <a:r>
-              <a:rPr kumimoji="1" lang="ja-JP" altLang="en-US" sz="3200">
-                <a:latin typeface="Hiragino Kaku Gothic Pro W3" panose="020B0300000000000000" pitchFamily="34" charset="-128"/>
-                <a:ea typeface="Hiragino Kaku Gothic Pro W3" panose="020B0300000000000000" pitchFamily="34" charset="-128"/>
-              </a:rPr>
-              <a:t>班</a:t>
-            </a:r>
-            <a:endParaRPr kumimoji="1" lang="ja-JP" altLang="en-US" sz="3200" dirty="0">
-              <a:latin typeface="Hiragino Kaku Gothic Pro W3" panose="020B0300000000000000" pitchFamily="34" charset="-128"/>
-              <a:ea typeface="Hiragino Kaku Gothic Pro W3" panose="020B0300000000000000" pitchFamily="34" charset="-128"/>
-            </a:endParaRPr>
-          </a:p>
-        </p:txBody>
-      </p:sp>
-      <p:sp>
-        <p:nvSpPr>
-          <p:cNvPr id="6" name="字幕 2">
-            <a:extLst>
-              <a:ext uri="{FF2B5EF4-FFF2-40B4-BE49-F238E27FC236}">
-                <a16:creationId xmlns:a16="http://schemas.microsoft.com/office/drawing/2014/main" id="{2A403BDF-DFB0-B14D-81A9-C4846C477D1A}"/>
-              </a:ext>
-            </a:extLst>
-          </p:cNvPr>
-          <p:cNvSpPr>
-            <a:spLocks noGrp="1"/>
-          </p:cNvSpPr>
-          <p:nvPr>
-            <p:ph type="subTitle" idx="1"/>
-          </p:nvPr>
-        </p:nvSpPr>
-        <p:spPr>
-          <a:xfrm>
-            <a:off x="6456715" y="193777"/>
-            <a:ext cx="2820838" cy="776373"/>
-          </a:xfrm>
-        </p:spPr>
-        <p:txBody>
-          <a:bodyPr>
-            <a:normAutofit lnSpcReduction="10000"/>
-          </a:bodyPr>
-          <a:lstStyle/>
-          <a:p>
-            <a:r>
-              <a:rPr lang="ja-JP" altLang="en-US" sz="2000"/>
-              <a:t>伊藤広樹　　</a:t>
-            </a:r>
-            <a:r>
-              <a:rPr kumimoji="1" lang="ja-JP" altLang="en-US" sz="2000"/>
-              <a:t>平尾礼央</a:t>
-            </a:r>
-            <a:endParaRPr kumimoji="1" lang="en-US" altLang="ja-JP" sz="2000" dirty="0"/>
-          </a:p>
-          <a:p>
-            <a:r>
-              <a:rPr kumimoji="1" lang="ja-JP" altLang="en-US" sz="2000"/>
-              <a:t>伊藤光太郎</a:t>
-            </a:r>
-            <a:r>
-              <a:rPr kumimoji="1" lang="ja-JP" altLang="en-US" sz="2000" dirty="0"/>
-              <a:t>　</a:t>
-            </a:r>
-            <a:r>
-              <a:rPr kumimoji="1" lang="ja-JP" altLang="en-US" sz="2000"/>
-              <a:t>林田和磨</a:t>
-            </a:r>
-          </a:p>
-        </p:txBody>
-      </p:sp>
-      <p:sp>
-        <p:nvSpPr>
-          <p:cNvPr id="7" name="正方形/長方形 6">
-            <a:extLst>
-              <a:ext uri="{FF2B5EF4-FFF2-40B4-BE49-F238E27FC236}">
-                <a16:creationId xmlns:a16="http://schemas.microsoft.com/office/drawing/2014/main" id="{6F04BAF3-F137-794D-A6A1-7CAC97589A50}"/>
-              </a:ext>
-            </a:extLst>
-          </p:cNvPr>
-          <p:cNvSpPr/>
-          <p:nvPr/>
-        </p:nvSpPr>
-        <p:spPr>
-          <a:xfrm>
-            <a:off x="379404" y="1095557"/>
-            <a:ext cx="4294196" cy="11412745"/>
-          </a:xfrm>
-          <a:prstGeom prst="rect">
-            <a:avLst/>
-          </a:prstGeom>
-          <a:noFill/>
-          <a:ln>
-            <a:solidFill>
-              <a:schemeClr val="tx1"/>
-            </a:solidFill>
-          </a:ln>
-        </p:spPr>
-        <p:style>
-          <a:lnRef idx="2">
-            <a:schemeClr val="accent1">
-              <a:shade val="50000"/>
-            </a:schemeClr>
-          </a:lnRef>
-          <a:fillRef idx="1">
-            <a:schemeClr val="accent1"/>
-          </a:fillRef>
-          <a:effectRef idx="0">
-            <a:schemeClr val="accent1"/>
-          </a:effectRef>
-          <a:fontRef idx="minor">
-            <a:schemeClr val="lt1"/>
-          </a:fontRef>
-        </p:style>
-        <p:txBody>
-          <a:bodyPr rtlCol="0" anchor="ctr"/>
-          <a:lstStyle/>
-          <a:p>
-            <a:pPr algn="ctr"/>
-            <a:endParaRPr kumimoji="1" lang="ja-JP" altLang="en-US"/>
-          </a:p>
-        </p:txBody>
-      </p:sp>
-      <p:sp>
-        <p:nvSpPr>
-          <p:cNvPr id="8" name="正方形/長方形 7">
-            <a:extLst>
-              <a:ext uri="{FF2B5EF4-FFF2-40B4-BE49-F238E27FC236}">
-                <a16:creationId xmlns:a16="http://schemas.microsoft.com/office/drawing/2014/main" id="{6B9B1F9D-8DE1-A047-9405-F53166A0BAFC}"/>
-              </a:ext>
-            </a:extLst>
-          </p:cNvPr>
-          <p:cNvSpPr/>
-          <p:nvPr/>
-        </p:nvSpPr>
-        <p:spPr>
-          <a:xfrm>
-            <a:off x="4995333" y="1095557"/>
-            <a:ext cx="4282219" cy="11412745"/>
-          </a:xfrm>
-          <a:prstGeom prst="rect">
-            <a:avLst/>
-          </a:prstGeom>
-          <a:noFill/>
-          <a:ln>
-            <a:solidFill>
-              <a:schemeClr val="tx1"/>
-            </a:solidFill>
-          </a:ln>
-        </p:spPr>
-        <p:style>
-          <a:lnRef idx="2">
-            <a:schemeClr val="accent1">
-              <a:shade val="50000"/>
-            </a:schemeClr>
-          </a:lnRef>
-          <a:fillRef idx="1">
-            <a:schemeClr val="accent1"/>
-          </a:fillRef>
-          <a:effectRef idx="0">
-            <a:schemeClr val="accent1"/>
-          </a:effectRef>
-          <a:fontRef idx="minor">
-            <a:schemeClr val="lt1"/>
-          </a:fontRef>
-        </p:style>
-        <p:txBody>
-          <a:bodyPr rtlCol="0" anchor="ctr"/>
-          <a:lstStyle/>
-          <a:p>
-            <a:pPr algn="ctr"/>
-            <a:endParaRPr kumimoji="1" lang="ja-JP" altLang="en-US"/>
-          </a:p>
-        </p:txBody>
-      </p:sp>
-      <p:sp>
-        <p:nvSpPr>
-          <p:cNvPr id="9" name="正方形/長方形 8">
-            <a:extLst>
-              <a:ext uri="{FF2B5EF4-FFF2-40B4-BE49-F238E27FC236}">
-                <a16:creationId xmlns:a16="http://schemas.microsoft.com/office/drawing/2014/main" id="{88D28BD8-76FE-E041-B5B7-779EDD7BBC24}"/>
-              </a:ext>
-            </a:extLst>
-          </p:cNvPr>
-          <p:cNvSpPr/>
-          <p:nvPr/>
-        </p:nvSpPr>
-        <p:spPr>
-          <a:xfrm>
-            <a:off x="457200" y="1168400"/>
-            <a:ext cx="4148667" cy="3081867"/>
-          </a:xfrm>
-          <a:prstGeom prst="rect">
-            <a:avLst/>
-          </a:prstGeom>
-          <a:solidFill>
-            <a:schemeClr val="bg1">
-              <a:lumMod val="85000"/>
-              <a:alpha val="99000"/>
-            </a:schemeClr>
-          </a:solidFill>
-          <a:ln>
-            <a:noFill/>
-          </a:ln>
-        </p:spPr>
-        <p:style>
-          <a:lnRef idx="2">
-            <a:schemeClr val="accent1">
-              <a:shade val="50000"/>
-            </a:schemeClr>
-          </a:lnRef>
-          <a:fillRef idx="1">
-            <a:schemeClr val="accent1"/>
-          </a:fillRef>
-          <a:effectRef idx="0">
-            <a:schemeClr val="accent1"/>
-          </a:effectRef>
-          <a:fontRef idx="minor">
-            <a:schemeClr val="lt1"/>
-          </a:fontRef>
-        </p:style>
-        <p:txBody>
-          <a:bodyPr rtlCol="0" anchor="ctr"/>
-          <a:lstStyle/>
-          <a:p>
-            <a:pPr algn="ctr"/>
-            <a:r>
-              <a:rPr kumimoji="1" lang="ja-JP" altLang="en-US" sz="4000">
-                <a:solidFill>
-                  <a:schemeClr val="tx1"/>
-                </a:solidFill>
-              </a:rPr>
-              <a:t>実験目的・背景</a:t>
-            </a:r>
-          </a:p>
-        </p:txBody>
-      </p:sp>
-      <p:sp>
-        <p:nvSpPr>
-          <p:cNvPr id="10" name="正方形/長方形 9">
-            <a:extLst>
-              <a:ext uri="{FF2B5EF4-FFF2-40B4-BE49-F238E27FC236}">
-                <a16:creationId xmlns:a16="http://schemas.microsoft.com/office/drawing/2014/main" id="{82D33252-D02F-AE48-B7EE-7559DA381B2B}"/>
-              </a:ext>
-            </a:extLst>
-          </p:cNvPr>
-          <p:cNvSpPr/>
-          <p:nvPr/>
-        </p:nvSpPr>
-        <p:spPr>
-          <a:xfrm>
-            <a:off x="457200" y="4453467"/>
-            <a:ext cx="4148667" cy="3081867"/>
-          </a:xfrm>
-          <a:prstGeom prst="rect">
-            <a:avLst/>
-          </a:prstGeom>
-          <a:solidFill>
-            <a:schemeClr val="bg1">
-              <a:lumMod val="85000"/>
-              <a:alpha val="99000"/>
-            </a:schemeClr>
-          </a:solidFill>
-          <a:ln>
-            <a:noFill/>
-          </a:ln>
-        </p:spPr>
-        <p:style>
-          <a:lnRef idx="2">
-            <a:schemeClr val="accent1">
-              <a:shade val="50000"/>
-            </a:schemeClr>
-          </a:lnRef>
-          <a:fillRef idx="1">
-            <a:schemeClr val="accent1"/>
-          </a:fillRef>
-          <a:effectRef idx="0">
-            <a:schemeClr val="accent1"/>
-          </a:effectRef>
-          <a:fontRef idx="minor">
-            <a:schemeClr val="lt1"/>
-          </a:fontRef>
-        </p:style>
-        <p:txBody>
-          <a:bodyPr rtlCol="0" anchor="ctr"/>
-          <a:lstStyle/>
-          <a:p>
-            <a:pPr algn="ctr"/>
-            <a:r>
-              <a:rPr kumimoji="1" lang="en-US" altLang="ja-JP" sz="4000" dirty="0">
-                <a:solidFill>
-                  <a:schemeClr val="tx1"/>
-                </a:solidFill>
-              </a:rPr>
-              <a:t>1.</a:t>
-            </a:r>
-            <a:r>
-              <a:rPr kumimoji="1" lang="ja-JP" altLang="en-US" sz="4000">
-                <a:solidFill>
-                  <a:schemeClr val="tx1"/>
-                </a:solidFill>
-              </a:rPr>
-              <a:t>前処理</a:t>
-            </a:r>
-          </a:p>
-        </p:txBody>
-      </p:sp>
-      <p:sp>
-        <p:nvSpPr>
-          <p:cNvPr id="11" name="正方形/長方形 10">
-            <a:extLst>
-              <a:ext uri="{FF2B5EF4-FFF2-40B4-BE49-F238E27FC236}">
-                <a16:creationId xmlns:a16="http://schemas.microsoft.com/office/drawing/2014/main" id="{A3830996-C8CD-044A-B9FF-F1241F31BCD2}"/>
-              </a:ext>
-            </a:extLst>
-          </p:cNvPr>
-          <p:cNvSpPr/>
-          <p:nvPr/>
-        </p:nvSpPr>
-        <p:spPr>
-          <a:xfrm>
-            <a:off x="457200" y="7738534"/>
-            <a:ext cx="4148667" cy="3081867"/>
-          </a:xfrm>
-          <a:prstGeom prst="rect">
-            <a:avLst/>
-          </a:prstGeom>
-          <a:solidFill>
-            <a:schemeClr val="bg1">
-              <a:lumMod val="85000"/>
-              <a:alpha val="99000"/>
-            </a:schemeClr>
-          </a:solidFill>
-          <a:ln>
-            <a:noFill/>
-          </a:ln>
-        </p:spPr>
-        <p:style>
-          <a:lnRef idx="2">
-            <a:schemeClr val="accent1">
-              <a:shade val="50000"/>
-            </a:schemeClr>
-          </a:lnRef>
-          <a:fillRef idx="1">
-            <a:schemeClr val="accent1"/>
-          </a:fillRef>
-          <a:effectRef idx="0">
-            <a:schemeClr val="accent1"/>
-          </a:effectRef>
-          <a:fontRef idx="minor">
-            <a:schemeClr val="lt1"/>
-          </a:fontRef>
-        </p:style>
-        <p:txBody>
-          <a:bodyPr rtlCol="0" anchor="ctr"/>
-          <a:lstStyle/>
-          <a:p>
-            <a:pPr algn="ctr"/>
-            <a:r>
-              <a:rPr kumimoji="1" lang="en-US" altLang="ja-JP" sz="4000" dirty="0">
-                <a:solidFill>
-                  <a:schemeClr val="tx1"/>
-                </a:solidFill>
-              </a:rPr>
-              <a:t>2.</a:t>
-            </a:r>
-            <a:r>
-              <a:rPr kumimoji="1" lang="ja-JP" altLang="en-US" sz="4000">
-                <a:solidFill>
-                  <a:schemeClr val="tx1"/>
-                </a:solidFill>
-              </a:rPr>
-              <a:t>特徴抽出</a:t>
-            </a:r>
-          </a:p>
-        </p:txBody>
-      </p:sp>
-      <p:sp>
-        <p:nvSpPr>
-          <p:cNvPr id="12" name="正方形/長方形 11">
-            <a:extLst>
-              <a:ext uri="{FF2B5EF4-FFF2-40B4-BE49-F238E27FC236}">
-                <a16:creationId xmlns:a16="http://schemas.microsoft.com/office/drawing/2014/main" id="{4AF0F900-347F-354E-9514-26285391E5E2}"/>
-              </a:ext>
-            </a:extLst>
-          </p:cNvPr>
-          <p:cNvSpPr/>
-          <p:nvPr/>
-        </p:nvSpPr>
-        <p:spPr>
-          <a:xfrm>
-            <a:off x="5062108" y="1168400"/>
-            <a:ext cx="4148667" cy="3081867"/>
-          </a:xfrm>
-          <a:prstGeom prst="rect">
-            <a:avLst/>
-          </a:prstGeom>
-          <a:solidFill>
-            <a:schemeClr val="bg1">
-              <a:lumMod val="85000"/>
-              <a:alpha val="99000"/>
-            </a:schemeClr>
-          </a:solidFill>
-          <a:ln>
-            <a:noFill/>
-          </a:ln>
-        </p:spPr>
-        <p:style>
-          <a:lnRef idx="2">
-            <a:schemeClr val="accent1">
-              <a:shade val="50000"/>
-            </a:schemeClr>
-          </a:lnRef>
-          <a:fillRef idx="1">
-            <a:schemeClr val="accent1"/>
-          </a:fillRef>
-          <a:effectRef idx="0">
-            <a:schemeClr val="accent1"/>
-          </a:effectRef>
-          <a:fontRef idx="minor">
-            <a:schemeClr val="lt1"/>
-          </a:fontRef>
-        </p:style>
-        <p:txBody>
-          <a:bodyPr rtlCol="0" anchor="ctr"/>
-          <a:lstStyle/>
-          <a:p>
-            <a:pPr algn="ctr"/>
-            <a:r>
-              <a:rPr kumimoji="1" lang="en-US" altLang="ja-JP" sz="4000" dirty="0">
-                <a:solidFill>
-                  <a:schemeClr val="tx1"/>
-                </a:solidFill>
-              </a:rPr>
-              <a:t>3.</a:t>
-            </a:r>
-            <a:r>
-              <a:rPr kumimoji="1" lang="ja-JP" altLang="en-US" sz="4000">
-                <a:solidFill>
-                  <a:schemeClr val="tx1"/>
-                </a:solidFill>
-              </a:rPr>
-              <a:t>識別部</a:t>
-            </a:r>
-          </a:p>
-        </p:txBody>
-      </p:sp>
-      <p:sp>
-        <p:nvSpPr>
-          <p:cNvPr id="13" name="正方形/長方形 12">
-            <a:extLst>
-              <a:ext uri="{FF2B5EF4-FFF2-40B4-BE49-F238E27FC236}">
-                <a16:creationId xmlns:a16="http://schemas.microsoft.com/office/drawing/2014/main" id="{E959EB3E-4989-594B-8485-C77A375593AB}"/>
-              </a:ext>
-            </a:extLst>
-          </p:cNvPr>
-          <p:cNvSpPr/>
-          <p:nvPr/>
-        </p:nvSpPr>
-        <p:spPr>
-          <a:xfrm>
-            <a:off x="5062108" y="4453467"/>
-            <a:ext cx="4148667" cy="3081867"/>
-          </a:xfrm>
-          <a:prstGeom prst="rect">
-            <a:avLst/>
-          </a:prstGeom>
-          <a:solidFill>
-            <a:schemeClr val="bg1">
-              <a:lumMod val="85000"/>
-              <a:alpha val="99000"/>
-            </a:schemeClr>
-          </a:solidFill>
-          <a:ln>
-            <a:noFill/>
-          </a:ln>
-        </p:spPr>
-        <p:style>
-          <a:lnRef idx="2">
-            <a:schemeClr val="accent1">
-              <a:shade val="50000"/>
-            </a:schemeClr>
-          </a:lnRef>
-          <a:fillRef idx="1">
-            <a:schemeClr val="accent1"/>
-          </a:fillRef>
-          <a:effectRef idx="0">
-            <a:schemeClr val="accent1"/>
-          </a:effectRef>
-          <a:fontRef idx="minor">
-            <a:schemeClr val="lt1"/>
-          </a:fontRef>
-        </p:style>
-        <p:txBody>
-          <a:bodyPr rtlCol="0" anchor="ctr"/>
-          <a:lstStyle/>
-          <a:p>
-            <a:pPr algn="ctr"/>
-            <a:r>
-              <a:rPr kumimoji="1" lang="ja-JP" altLang="en-US" sz="4000">
-                <a:solidFill>
-                  <a:schemeClr val="tx1"/>
-                </a:solidFill>
-              </a:rPr>
-              <a:t>結果・まとめ</a:t>
-            </a:r>
-          </a:p>
-        </p:txBody>
-      </p:sp>
-    </p:spTree>
-    <p:extLst>
-      <p:ext uri="{BB962C8B-B14F-4D97-AF65-F5344CB8AC3E}">
-        <p14:creationId xmlns:p14="http://schemas.microsoft.com/office/powerpoint/2010/main" val="2674098424"/>
-      </p:ext>
-    </p:extLst>
-  </p:cSld>
-  <p:clrMapOvr>
-    <a:masterClrMapping/>
-  </p:clrMapOvr>
-</p:sld>
-</file>
-
-<file path=ppt/slides/slide2.xml><?xml version="1.0" encoding="utf-8"?>
 <p:sld xmlns:a="http://schemas.openxmlformats.org/drawingml/2006/main" xmlns:r="http://schemas.openxmlformats.org/officeDocument/2006/relationships" xmlns:p="http://schemas.openxmlformats.org/presentationml/2006/main">
   <p:cSld>
     <p:spTree>
